--- a/Presentation.pptx
+++ b/Presentation.pptx
@@ -425,7 +425,7 @@
             <a:fld id="{2194DA84-9BF2-4D1D-989C-A0CF6764201C}" type="datetimeFigureOut">
               <a:rPr lang="en-US" smtClean="0"/>
               <a:pPr/>
-              <a:t>11/15/2016</a:t>
+              <a:t>11/18/2016</a:t>
             </a:fld>
             <a:endParaRPr lang="en-US"/>
           </a:p>
@@ -859,7 +859,7 @@
             <a:fld id="{2194DA84-9BF2-4D1D-989C-A0CF6764201C}" type="datetimeFigureOut">
               <a:rPr lang="en-US" smtClean="0"/>
               <a:pPr/>
-              <a:t>11/15/2016</a:t>
+              <a:t>11/18/2016</a:t>
             </a:fld>
             <a:endParaRPr lang="en-US"/>
           </a:p>
@@ -1210,7 +1210,7 @@
             <a:fld id="{2194DA84-9BF2-4D1D-989C-A0CF6764201C}" type="datetimeFigureOut">
               <a:rPr lang="en-US" smtClean="0"/>
               <a:pPr/>
-              <a:t>11/15/2016</a:t>
+              <a:t>11/18/2016</a:t>
             </a:fld>
             <a:endParaRPr lang="en-US"/>
           </a:p>
@@ -1630,7 +1630,7 @@
             <a:fld id="{2194DA84-9BF2-4D1D-989C-A0CF6764201C}" type="datetimeFigureOut">
               <a:rPr lang="en-US" smtClean="0"/>
               <a:pPr/>
-              <a:t>11/15/2016</a:t>
+              <a:t>11/18/2016</a:t>
             </a:fld>
             <a:endParaRPr lang="en-US"/>
           </a:p>
@@ -2213,7 +2213,7 @@
             <a:fld id="{2194DA84-9BF2-4D1D-989C-A0CF6764201C}" type="datetimeFigureOut">
               <a:rPr lang="en-US" smtClean="0"/>
               <a:pPr/>
-              <a:t>11/15/2016</a:t>
+              <a:t>11/18/2016</a:t>
             </a:fld>
             <a:endParaRPr lang="en-US"/>
           </a:p>
@@ -2909,7 +2909,7 @@
             <a:fld id="{2194DA84-9BF2-4D1D-989C-A0CF6764201C}" type="datetimeFigureOut">
               <a:rPr lang="en-US" smtClean="0"/>
               <a:pPr/>
-              <a:t>11/15/2016</a:t>
+              <a:t>11/18/2016</a:t>
             </a:fld>
             <a:endParaRPr lang="en-US"/>
           </a:p>
@@ -3837,7 +3837,7 @@
             <a:fld id="{2194DA84-9BF2-4D1D-989C-A0CF6764201C}" type="datetimeFigureOut">
               <a:rPr lang="en-US" smtClean="0"/>
               <a:pPr/>
-              <a:t>11/15/2016</a:t>
+              <a:t>11/18/2016</a:t>
             </a:fld>
             <a:endParaRPr lang="en-US"/>
           </a:p>
@@ -4170,7 +4170,7 @@
             <a:fld id="{2194DA84-9BF2-4D1D-989C-A0CF6764201C}" type="datetimeFigureOut">
               <a:rPr lang="en-US" smtClean="0"/>
               <a:pPr/>
-              <a:t>11/15/2016</a:t>
+              <a:t>11/18/2016</a:t>
             </a:fld>
             <a:endParaRPr lang="en-US"/>
           </a:p>
@@ -4451,7 +4451,7 @@
             <a:fld id="{2194DA84-9BF2-4D1D-989C-A0CF6764201C}" type="datetimeFigureOut">
               <a:rPr lang="en-US" smtClean="0"/>
               <a:pPr/>
-              <a:t>11/15/2016</a:t>
+              <a:t>11/18/2016</a:t>
             </a:fld>
             <a:endParaRPr lang="en-US"/>
           </a:p>
@@ -4789,7 +4789,7 @@
             <a:fld id="{2194DA84-9BF2-4D1D-989C-A0CF6764201C}" type="datetimeFigureOut">
               <a:rPr lang="en-US" smtClean="0"/>
               <a:pPr/>
-              <a:t>11/15/2016</a:t>
+              <a:t>11/18/2016</a:t>
             </a:fld>
             <a:endParaRPr lang="en-US"/>
           </a:p>
@@ -5198,7 +5198,7 @@
             <a:fld id="{2194DA84-9BF2-4D1D-989C-A0CF6764201C}" type="datetimeFigureOut">
               <a:rPr lang="en-US" smtClean="0"/>
               <a:pPr/>
-              <a:t>11/15/2016</a:t>
+              <a:t>11/18/2016</a:t>
             </a:fld>
             <a:endParaRPr lang="en-US"/>
           </a:p>
@@ -5599,7 +5599,7 @@
             <a:fld id="{2194DA84-9BF2-4D1D-989C-A0CF6764201C}" type="datetimeFigureOut">
               <a:rPr lang="en-US" smtClean="0"/>
               <a:pPr/>
-              <a:t>11/15/2016</a:t>
+              <a:t>11/18/2016</a:t>
             </a:fld>
             <a:endParaRPr lang="en-US"/>
           </a:p>
@@ -6120,7 +6120,7 @@
             <a:fld id="{2194DA84-9BF2-4D1D-989C-A0CF6764201C}" type="datetimeFigureOut">
               <a:rPr lang="en-US" smtClean="0"/>
               <a:pPr/>
-              <a:t>11/15/2016</a:t>
+              <a:t>11/18/2016</a:t>
             </a:fld>
             <a:endParaRPr lang="en-US"/>
           </a:p>
@@ -6392,7 +6392,7 @@
             <a:fld id="{2194DA84-9BF2-4D1D-989C-A0CF6764201C}" type="datetimeFigureOut">
               <a:rPr lang="en-US" smtClean="0"/>
               <a:pPr/>
-              <a:t>11/15/2016</a:t>
+              <a:t>11/18/2016</a:t>
             </a:fld>
             <a:endParaRPr lang="en-US"/>
           </a:p>
@@ -6556,7 +6556,7 @@
             <a:fld id="{2194DA84-9BF2-4D1D-989C-A0CF6764201C}" type="datetimeFigureOut">
               <a:rPr lang="en-US" smtClean="0"/>
               <a:pPr/>
-              <a:t>11/15/2016</a:t>
+              <a:t>11/18/2016</a:t>
             </a:fld>
             <a:endParaRPr lang="en-US"/>
           </a:p>
@@ -6961,7 +6961,7 @@
             <a:fld id="{2194DA84-9BF2-4D1D-989C-A0CF6764201C}" type="datetimeFigureOut">
               <a:rPr lang="en-US" smtClean="0"/>
               <a:pPr/>
-              <a:t>11/15/2016</a:t>
+              <a:t>11/18/2016</a:t>
             </a:fld>
             <a:endParaRPr lang="en-US"/>
           </a:p>
@@ -7385,7 +7385,7 @@
             <a:fld id="{2194DA84-9BF2-4D1D-989C-A0CF6764201C}" type="datetimeFigureOut">
               <a:rPr lang="en-US" smtClean="0"/>
               <a:pPr/>
-              <a:t>11/15/2016</a:t>
+              <a:t>11/18/2016</a:t>
             </a:fld>
             <a:endParaRPr lang="en-US"/>
           </a:p>
@@ -7521,7 +7521,7 @@
           </a:prstGeom>
           <a:extLst>
             <a:ext uri="{909E8E84-426E-40dd-AFC4-6F175D3DCCD1}">
-              <a14:hiddenFill xmlns:a14="http://schemas.microsoft.com/office/drawing/2010/main" xmlns="">
+              <a14:hiddenFill xmlns="" xmlns:a14="http://schemas.microsoft.com/office/drawing/2010/main">
                 <a:solidFill>
                   <a:srgbClr val="FFFFFF"/>
                 </a:solidFill>
@@ -7661,7 +7661,7 @@
             <a:fld id="{2194DA84-9BF2-4D1D-989C-A0CF6764201C}" type="datetimeFigureOut">
               <a:rPr lang="en-US" smtClean="0"/>
               <a:pPr/>
-              <a:t>11/15/2016</a:t>
+              <a:t>11/18/2016</a:t>
             </a:fld>
             <a:endParaRPr lang="en-US"/>
           </a:p>
@@ -8555,15 +8555,7 @@
           <a:p>
             <a:r>
               <a:rPr lang="en-US" dirty="0" smtClean="0"/>
-              <a:t>Referential </a:t>
-            </a:r>
-            <a:r>
-              <a:rPr lang="en-US" dirty="0" smtClean="0"/>
-              <a:t>integrity </a:t>
-            </a:r>
-            <a:r>
-              <a:rPr lang="en-US" dirty="0" smtClean="0"/>
-              <a:t>and FD</a:t>
+              <a:t>Referential integrity and FD</a:t>
             </a:r>
             <a:endParaRPr lang="en-US" dirty="0"/>
           </a:p>
@@ -8592,13 +8584,8 @@
           <a:p>
             <a:r>
               <a:rPr lang="en-US" dirty="0" smtClean="0"/>
-              <a:t>We have full key dependency, we avoided the use of partial and transitive </a:t>
-            </a:r>
-            <a:r>
-              <a:rPr lang="en-US" dirty="0" smtClean="0"/>
-              <a:t>dependency.</a:t>
-            </a:r>
-            <a:endParaRPr lang="en-US" dirty="0" smtClean="0"/>
+              <a:t>We have full key dependency, we avoided the use of partial and transitive dependency.</a:t>
+            </a:r>
           </a:p>
           <a:p>
             <a:r>
@@ -8611,11 +8598,7 @@
             </a:r>
             <a:r>
               <a:rPr lang="en-US" dirty="0" smtClean="0"/>
-              <a:t> normal </a:t>
-            </a:r>
-            <a:r>
-              <a:rPr lang="en-US" dirty="0" smtClean="0"/>
-              <a:t>form.</a:t>
+              <a:t> normal form.</a:t>
             </a:r>
             <a:endParaRPr lang="en-US" dirty="0"/>
           </a:p>
@@ -8686,24 +8669,14 @@
           <a:p>
             <a:r>
               <a:rPr lang="en-US" dirty="0" smtClean="0"/>
-              <a:t>Since we are a start up company, we do not have huge amount of data </a:t>
-            </a:r>
+              <a:t>Since we are a start up company, we do not have huge amount of data yet.</a:t>
+            </a:r>
+          </a:p>
+          <a:p>
             <a:r>
               <a:rPr lang="en-US" dirty="0" smtClean="0"/>
-              <a:t>yet.</a:t>
-            </a:r>
-            <a:endParaRPr lang="en-US" dirty="0" smtClean="0"/>
-          </a:p>
-          <a:p>
-            <a:r>
-              <a:rPr lang="en-US" dirty="0" smtClean="0"/>
-              <a:t>Our queries are running fast </a:t>
-            </a:r>
-            <a:r>
-              <a:rPr lang="en-US" dirty="0" smtClean="0"/>
-              <a:t>enough, and most depends on PKs.</a:t>
-            </a:r>
-            <a:endParaRPr lang="en-US" dirty="0" smtClean="0"/>
+              <a:t>Our queries are running fast enough, and most depends on PKs.</a:t>
+            </a:r>
           </a:p>
           <a:p>
             <a:r>
@@ -8756,11 +8729,7 @@
           <a:p>
             <a:r>
               <a:rPr lang="en-US" dirty="0" smtClean="0"/>
-              <a:t>User </a:t>
-            </a:r>
-            <a:r>
-              <a:rPr lang="en-US" dirty="0" smtClean="0"/>
-              <a:t>interfaces</a:t>
+              <a:t>User interfaces</a:t>
             </a:r>
             <a:endParaRPr lang="en-US" dirty="0"/>
           </a:p>
@@ -8783,59 +8752,25 @@
           <a:p>
             <a:r>
               <a:rPr lang="en-US" dirty="0" smtClean="0"/>
-              <a:t>Although data access is with the use of </a:t>
-            </a:r>
+              <a:t>Although data access is with the use of SQL select statement, our users wont be writing the code</a:t>
+            </a:r>
+          </a:p>
+          <a:p>
             <a:r>
               <a:rPr lang="en-US" dirty="0" smtClean="0"/>
-              <a:t>SQL</a:t>
-            </a:r>
+              <a:t>We created user interface for our 3 types of users(employees, trainees and organizations)</a:t>
+            </a:r>
+          </a:p>
+          <a:p>
             <a:r>
               <a:rPr lang="en-US" dirty="0" smtClean="0"/>
-              <a:t> </a:t>
-            </a:r>
+              <a:t>Created registration forms for new users to register and we keep track of their info in our relations.</a:t>
+            </a:r>
+          </a:p>
+          <a:p>
             <a:r>
               <a:rPr lang="en-US" dirty="0" smtClean="0"/>
-              <a:t>select statement, our users wont be writing the code</a:t>
-            </a:r>
-          </a:p>
-          <a:p>
-            <a:r>
-              <a:rPr lang="en-US" dirty="0" smtClean="0"/>
-              <a:t>We created user interface for our 3 types of users(employees, </a:t>
-            </a:r>
-            <a:r>
-              <a:rPr lang="en-US" dirty="0" smtClean="0"/>
-              <a:t>trainees </a:t>
-            </a:r>
-            <a:r>
-              <a:rPr lang="en-US" dirty="0" smtClean="0"/>
-              <a:t>and </a:t>
-            </a:r>
-            <a:r>
-              <a:rPr lang="en-US" dirty="0" smtClean="0"/>
-              <a:t>organizations)</a:t>
-            </a:r>
-            <a:endParaRPr lang="en-US" dirty="0" smtClean="0"/>
-          </a:p>
-          <a:p>
-            <a:r>
-              <a:rPr lang="en-US" dirty="0" smtClean="0"/>
-              <a:t>Created registration forms for new users to register and we keep track of their info in our </a:t>
-            </a:r>
-            <a:r>
-              <a:rPr lang="en-US" dirty="0" smtClean="0"/>
-              <a:t>relations.</a:t>
-            </a:r>
-            <a:endParaRPr lang="en-US" dirty="0" smtClean="0"/>
-          </a:p>
-          <a:p>
-            <a:r>
-              <a:rPr lang="en-US" dirty="0" smtClean="0"/>
-              <a:t>When registered next visit they will just </a:t>
-            </a:r>
-            <a:r>
-              <a:rPr lang="en-US" dirty="0" smtClean="0"/>
-              <a:t>login.</a:t>
+              <a:t>When registered next visit they will just login.</a:t>
             </a:r>
             <a:endParaRPr lang="en-US" dirty="0"/>
           </a:p>
@@ -9059,11 +8994,7 @@
           <a:p>
             <a:r>
               <a:rPr lang="en-US" dirty="0" smtClean="0"/>
-              <a:t>Enroll in a </a:t>
-            </a:r>
-            <a:r>
-              <a:rPr lang="en-US" dirty="0" smtClean="0"/>
-              <a:t>course (Insert)</a:t>
+              <a:t>Enroll in a course (Insert)</a:t>
             </a:r>
             <a:endParaRPr lang="en-US" dirty="0"/>
           </a:p>
@@ -9071,13 +9002,11 @@
       </p:sp>
       <p:pic>
         <p:nvPicPr>
-          <p:cNvPr id="8194" name="Picture 2"/>
+          <p:cNvPr id="3" name="Picture 2"/>
           <p:cNvPicPr>
-            <a:picLocks noGrp="1" noChangeAspect="1" noChangeArrowheads="1"/>
+            <a:picLocks noChangeAspect="1"/>
           </p:cNvPicPr>
-          <p:nvPr>
-            <p:ph idx="1"/>
-          </p:nvPr>
+          <p:nvPr/>
         </p:nvPicPr>
         <p:blipFill>
           <a:blip r:embed="rId2"/>
@@ -9085,10 +9014,10 @@
             <a:fillRect/>
           </a:stretch>
         </p:blipFill>
-        <p:spPr bwMode="auto">
+        <p:spPr>
           <a:xfrm>
-            <a:off x="2590800" y="2209800"/>
-            <a:ext cx="3241203" cy="4316134"/>
+            <a:off x="2133600" y="2286000"/>
+            <a:ext cx="3733800" cy="4151254"/>
           </a:xfrm>
           <a:prstGeom prst="rect">
             <a:avLst/>
@@ -9450,44 +9379,25 @@
           <a:p>
             <a:r>
               <a:rPr lang="en-US" dirty="0" smtClean="0"/>
-              <a:t>Dayesda is a start </a:t>
-            </a:r>
+              <a:t>Dayesda is a start up company we chose to do our project on.</a:t>
+            </a:r>
+          </a:p>
+          <a:p>
             <a:r>
               <a:rPr lang="en-US" dirty="0" smtClean="0"/>
-              <a:t>up company we chose to do our project </a:t>
-            </a:r>
-            <a:r>
-              <a:rPr lang="en-US" dirty="0" smtClean="0"/>
-              <a:t>on.</a:t>
-            </a:r>
-            <a:endParaRPr lang="en-US" dirty="0" smtClean="0"/>
-          </a:p>
-          <a:p>
-            <a:r>
-              <a:rPr lang="en-US" dirty="0" smtClean="0"/>
-              <a:t>Will be in Saudi </a:t>
-            </a:r>
-            <a:r>
-              <a:rPr lang="en-US" dirty="0" smtClean="0"/>
-              <a:t>Arabia.</a:t>
-            </a:r>
-            <a:endParaRPr lang="en-US" dirty="0" smtClean="0"/>
+              <a:t>Will be in Saudi Arabia.</a:t>
+            </a:r>
           </a:p>
           <a:p>
             <a:r>
               <a:rPr lang="en-US" dirty="0" smtClean="0"/>
               <a:t>Provides Services for organizations.</a:t>
             </a:r>
-            <a:endParaRPr lang="en-US" dirty="0" smtClean="0"/>
           </a:p>
           <a:p>
             <a:r>
               <a:rPr lang="en-US" dirty="0" smtClean="0"/>
-              <a:t>Offers courses for </a:t>
-            </a:r>
-            <a:r>
-              <a:rPr lang="en-US" dirty="0" smtClean="0"/>
-              <a:t>individuals(trainees). </a:t>
+              <a:t>Offers courses for individuals(trainees). </a:t>
             </a:r>
             <a:endParaRPr lang="en-US" dirty="0"/>
           </a:p>
@@ -9535,23 +9445,7 @@
           <a:p>
             <a:r>
               <a:rPr lang="en-US" dirty="0" smtClean="0"/>
-              <a:t>Update </a:t>
-            </a:r>
-            <a:r>
-              <a:rPr lang="en-US" dirty="0" smtClean="0"/>
-              <a:t>a service </a:t>
-            </a:r>
-            <a:r>
-              <a:rPr lang="en-US" dirty="0" smtClean="0"/>
-              <a:t>request</a:t>
-            </a:r>
-            <a:r>
-              <a:rPr lang="en-US" dirty="0" smtClean="0"/>
-              <a:t> </a:t>
-            </a:r>
-            <a:r>
-              <a:rPr lang="en-US" dirty="0" smtClean="0"/>
-              <a:t>price</a:t>
+              <a:t>Update a service request price</a:t>
             </a:r>
             <a:endParaRPr lang="en-US" dirty="0"/>
           </a:p>
@@ -9643,11 +9537,7 @@
             </a:r>
             <a:r>
               <a:rPr lang="en-US" dirty="0" smtClean="0"/>
-              <a:t>rganization </a:t>
-            </a:r>
-            <a:r>
-              <a:rPr lang="en-US" dirty="0" smtClean="0"/>
-              <a:t>interface</a:t>
+              <a:t>rganization interface</a:t>
             </a:r>
             <a:endParaRPr lang="en-US" dirty="0"/>
           </a:p>
@@ -9735,11 +9625,7 @@
           <a:p>
             <a:r>
               <a:rPr lang="en-US" dirty="0" smtClean="0"/>
-              <a:t>Service </a:t>
-            </a:r>
-            <a:r>
-              <a:rPr lang="en-US" dirty="0" smtClean="0"/>
-              <a:t>request (Insert)</a:t>
+              <a:t>Service request (Insert)</a:t>
             </a:r>
             <a:endParaRPr lang="en-US" dirty="0"/>
           </a:p>
@@ -9902,11 +9788,7 @@
           <a:p>
             <a:r>
               <a:rPr lang="en-US" dirty="0" smtClean="0"/>
-              <a:t>Service </a:t>
-            </a:r>
-            <a:r>
-              <a:rPr lang="en-US" dirty="0" smtClean="0"/>
-              <a:t>Examples</a:t>
+              <a:t>Service Examples</a:t>
             </a:r>
             <a:endParaRPr lang="en-US" dirty="0"/>
           </a:p>
@@ -9935,15 +9817,7 @@
           <a:p>
             <a:r>
               <a:rPr lang="en-US" dirty="0" smtClean="0"/>
-              <a:t>Business </a:t>
-            </a:r>
-            <a:r>
-              <a:rPr lang="en-US" dirty="0" smtClean="0"/>
-              <a:t>continuity </a:t>
-            </a:r>
-            <a:r>
-              <a:rPr lang="en-US" dirty="0" smtClean="0"/>
-              <a:t>plan.</a:t>
+              <a:t>Business continuity plan.</a:t>
             </a:r>
           </a:p>
           <a:p>
@@ -10008,11 +9882,7 @@
           <a:p>
             <a:r>
               <a:rPr lang="en-US" dirty="0" smtClean="0"/>
-              <a:t>Service </a:t>
-            </a:r>
-            <a:r>
-              <a:rPr lang="en-US" dirty="0" smtClean="0"/>
-              <a:t>beneficiaries</a:t>
+              <a:t>Service beneficiaries</a:t>
             </a:r>
             <a:endParaRPr lang="en-US" dirty="0"/>
           </a:p>
@@ -10035,42 +9905,25 @@
           <a:p>
             <a:r>
               <a:rPr lang="en-US" dirty="0" smtClean="0"/>
-              <a:t>Schools, hospitals</a:t>
-            </a:r>
+              <a:t>Schools, hospitals, industries.</a:t>
+            </a:r>
+          </a:p>
+          <a:p>
             <a:r>
               <a:rPr lang="en-US" dirty="0" smtClean="0"/>
-              <a:t>, industries.</a:t>
-            </a:r>
-            <a:endParaRPr lang="en-US" dirty="0" smtClean="0"/>
+              <a:t>Civil defense.</a:t>
+            </a:r>
           </a:p>
           <a:p>
             <a:r>
               <a:rPr lang="en-US" dirty="0" smtClean="0"/>
-              <a:t>Civil </a:t>
-            </a:r>
+              <a:t>Red Crescent Authority</a:t>
+            </a:r>
+          </a:p>
+          <a:p>
             <a:r>
               <a:rPr lang="en-US" dirty="0" smtClean="0"/>
-              <a:t>defense.</a:t>
-            </a:r>
-          </a:p>
-          <a:p>
-            <a:r>
-              <a:rPr lang="en-US" dirty="0" smtClean="0"/>
-              <a:t>Red </a:t>
-            </a:r>
-            <a:r>
-              <a:rPr lang="en-US" dirty="0" smtClean="0"/>
-              <a:t>Crescent Authority</a:t>
-            </a:r>
-          </a:p>
-          <a:p>
-            <a:r>
-              <a:rPr lang="en-US" dirty="0" smtClean="0"/>
-              <a:t>Private </a:t>
-            </a:r>
-            <a:r>
-              <a:rPr lang="en-US" dirty="0" smtClean="0"/>
-              <a:t>Sectors.</a:t>
+              <a:t>Private Sectors.</a:t>
             </a:r>
             <a:endParaRPr lang="en-US" dirty="0"/>
           </a:p>
@@ -10147,22 +10000,13 @@
           <a:p>
             <a:r>
               <a:rPr lang="en-US" dirty="0" smtClean="0"/>
-              <a:t>Disaster life </a:t>
-            </a:r>
+              <a:t>Disaster life support.</a:t>
+            </a:r>
+          </a:p>
+          <a:p>
             <a:r>
               <a:rPr lang="en-US" dirty="0" smtClean="0"/>
-              <a:t>support.</a:t>
-            </a:r>
-            <a:endParaRPr lang="en-US" dirty="0" smtClean="0"/>
-          </a:p>
-          <a:p>
-            <a:r>
-              <a:rPr lang="en-US" dirty="0" smtClean="0"/>
-              <a:t>Counter terrorism </a:t>
-            </a:r>
-            <a:r>
-              <a:rPr lang="en-US" dirty="0" smtClean="0"/>
-              <a:t>procedures.</a:t>
+              <a:t>Counter terrorism procedures.</a:t>
             </a:r>
           </a:p>
           <a:p>
@@ -10341,11 +10185,7 @@
           <a:p>
             <a:r>
               <a:rPr lang="en-US" dirty="0" smtClean="0"/>
-              <a:t>We have 9 </a:t>
-            </a:r>
-            <a:r>
-              <a:rPr lang="en-US" dirty="0" smtClean="0"/>
-              <a:t>relations in our DB.</a:t>
+              <a:t>We have 9 relations in our DB.</a:t>
             </a:r>
             <a:endParaRPr lang="en-US" dirty="0"/>
           </a:p>
@@ -10354,24 +10194,11 @@
               <a:rPr lang="en-US" dirty="0" smtClean="0"/>
               <a:t>Each relation has many attributes( columns), PK and some relations have FKs. </a:t>
             </a:r>
-            <a:endParaRPr lang="en-US" dirty="0" smtClean="0"/>
           </a:p>
           <a:p>
             <a:r>
               <a:rPr lang="en-US" dirty="0" smtClean="0"/>
-              <a:t>Entities are related according to our specifications </a:t>
-            </a:r>
-            <a:r>
-              <a:rPr lang="en-US" dirty="0" smtClean="0"/>
-              <a:t>e.g. </a:t>
-            </a:r>
-            <a:r>
-              <a:rPr lang="en-US" dirty="0" smtClean="0"/>
-              <a:t>1-1, 1-M, </a:t>
-            </a:r>
-            <a:r>
-              <a:rPr lang="en-US" dirty="0" smtClean="0"/>
-              <a:t>M-N.</a:t>
+              <a:t>Entities are related according to our specifications e.g. 1-1, 1-M, M-N.</a:t>
             </a:r>
             <a:endParaRPr lang="en-US" dirty="0"/>
           </a:p>

--- a/Presentation.pptx
+++ b/Presentation.pptx
@@ -425,7 +425,7 @@
             <a:fld id="{2194DA84-9BF2-4D1D-989C-A0CF6764201C}" type="datetimeFigureOut">
               <a:rPr lang="en-US" smtClean="0"/>
               <a:pPr/>
-              <a:t>11/18/2016</a:t>
+              <a:t>11/21/2016</a:t>
             </a:fld>
             <a:endParaRPr lang="en-US"/>
           </a:p>
@@ -859,7 +859,7 @@
             <a:fld id="{2194DA84-9BF2-4D1D-989C-A0CF6764201C}" type="datetimeFigureOut">
               <a:rPr lang="en-US" smtClean="0"/>
               <a:pPr/>
-              <a:t>11/18/2016</a:t>
+              <a:t>11/21/2016</a:t>
             </a:fld>
             <a:endParaRPr lang="en-US"/>
           </a:p>
@@ -1210,7 +1210,7 @@
             <a:fld id="{2194DA84-9BF2-4D1D-989C-A0CF6764201C}" type="datetimeFigureOut">
               <a:rPr lang="en-US" smtClean="0"/>
               <a:pPr/>
-              <a:t>11/18/2016</a:t>
+              <a:t>11/21/2016</a:t>
             </a:fld>
             <a:endParaRPr lang="en-US"/>
           </a:p>
@@ -1630,7 +1630,7 @@
             <a:fld id="{2194DA84-9BF2-4D1D-989C-A0CF6764201C}" type="datetimeFigureOut">
               <a:rPr lang="en-US" smtClean="0"/>
               <a:pPr/>
-              <a:t>11/18/2016</a:t>
+              <a:t>11/21/2016</a:t>
             </a:fld>
             <a:endParaRPr lang="en-US"/>
           </a:p>
@@ -2213,7 +2213,7 @@
             <a:fld id="{2194DA84-9BF2-4D1D-989C-A0CF6764201C}" type="datetimeFigureOut">
               <a:rPr lang="en-US" smtClean="0"/>
               <a:pPr/>
-              <a:t>11/18/2016</a:t>
+              <a:t>11/21/2016</a:t>
             </a:fld>
             <a:endParaRPr lang="en-US"/>
           </a:p>
@@ -2909,7 +2909,7 @@
             <a:fld id="{2194DA84-9BF2-4D1D-989C-A0CF6764201C}" type="datetimeFigureOut">
               <a:rPr lang="en-US" smtClean="0"/>
               <a:pPr/>
-              <a:t>11/18/2016</a:t>
+              <a:t>11/21/2016</a:t>
             </a:fld>
             <a:endParaRPr lang="en-US"/>
           </a:p>
@@ -3837,7 +3837,7 @@
             <a:fld id="{2194DA84-9BF2-4D1D-989C-A0CF6764201C}" type="datetimeFigureOut">
               <a:rPr lang="en-US" smtClean="0"/>
               <a:pPr/>
-              <a:t>11/18/2016</a:t>
+              <a:t>11/21/2016</a:t>
             </a:fld>
             <a:endParaRPr lang="en-US"/>
           </a:p>
@@ -4170,7 +4170,7 @@
             <a:fld id="{2194DA84-9BF2-4D1D-989C-A0CF6764201C}" type="datetimeFigureOut">
               <a:rPr lang="en-US" smtClean="0"/>
               <a:pPr/>
-              <a:t>11/18/2016</a:t>
+              <a:t>11/21/2016</a:t>
             </a:fld>
             <a:endParaRPr lang="en-US"/>
           </a:p>
@@ -4451,7 +4451,7 @@
             <a:fld id="{2194DA84-9BF2-4D1D-989C-A0CF6764201C}" type="datetimeFigureOut">
               <a:rPr lang="en-US" smtClean="0"/>
               <a:pPr/>
-              <a:t>11/18/2016</a:t>
+              <a:t>11/21/2016</a:t>
             </a:fld>
             <a:endParaRPr lang="en-US"/>
           </a:p>
@@ -4789,7 +4789,7 @@
             <a:fld id="{2194DA84-9BF2-4D1D-989C-A0CF6764201C}" type="datetimeFigureOut">
               <a:rPr lang="en-US" smtClean="0"/>
               <a:pPr/>
-              <a:t>11/18/2016</a:t>
+              <a:t>11/21/2016</a:t>
             </a:fld>
             <a:endParaRPr lang="en-US"/>
           </a:p>
@@ -5198,7 +5198,7 @@
             <a:fld id="{2194DA84-9BF2-4D1D-989C-A0CF6764201C}" type="datetimeFigureOut">
               <a:rPr lang="en-US" smtClean="0"/>
               <a:pPr/>
-              <a:t>11/18/2016</a:t>
+              <a:t>11/21/2016</a:t>
             </a:fld>
             <a:endParaRPr lang="en-US"/>
           </a:p>
@@ -5599,7 +5599,7 @@
             <a:fld id="{2194DA84-9BF2-4D1D-989C-A0CF6764201C}" type="datetimeFigureOut">
               <a:rPr lang="en-US" smtClean="0"/>
               <a:pPr/>
-              <a:t>11/18/2016</a:t>
+              <a:t>11/21/2016</a:t>
             </a:fld>
             <a:endParaRPr lang="en-US"/>
           </a:p>
@@ -6120,7 +6120,7 @@
             <a:fld id="{2194DA84-9BF2-4D1D-989C-A0CF6764201C}" type="datetimeFigureOut">
               <a:rPr lang="en-US" smtClean="0"/>
               <a:pPr/>
-              <a:t>11/18/2016</a:t>
+              <a:t>11/21/2016</a:t>
             </a:fld>
             <a:endParaRPr lang="en-US"/>
           </a:p>
@@ -6392,7 +6392,7 @@
             <a:fld id="{2194DA84-9BF2-4D1D-989C-A0CF6764201C}" type="datetimeFigureOut">
               <a:rPr lang="en-US" smtClean="0"/>
               <a:pPr/>
-              <a:t>11/18/2016</a:t>
+              <a:t>11/21/2016</a:t>
             </a:fld>
             <a:endParaRPr lang="en-US"/>
           </a:p>
@@ -6556,7 +6556,7 @@
             <a:fld id="{2194DA84-9BF2-4D1D-989C-A0CF6764201C}" type="datetimeFigureOut">
               <a:rPr lang="en-US" smtClean="0"/>
               <a:pPr/>
-              <a:t>11/18/2016</a:t>
+              <a:t>11/21/2016</a:t>
             </a:fld>
             <a:endParaRPr lang="en-US"/>
           </a:p>
@@ -6961,7 +6961,7 @@
             <a:fld id="{2194DA84-9BF2-4D1D-989C-A0CF6764201C}" type="datetimeFigureOut">
               <a:rPr lang="en-US" smtClean="0"/>
               <a:pPr/>
-              <a:t>11/18/2016</a:t>
+              <a:t>11/21/2016</a:t>
             </a:fld>
             <a:endParaRPr lang="en-US"/>
           </a:p>
@@ -7385,7 +7385,7 @@
             <a:fld id="{2194DA84-9BF2-4D1D-989C-A0CF6764201C}" type="datetimeFigureOut">
               <a:rPr lang="en-US" smtClean="0"/>
               <a:pPr/>
-              <a:t>11/18/2016</a:t>
+              <a:t>11/21/2016</a:t>
             </a:fld>
             <a:endParaRPr lang="en-US"/>
           </a:p>
@@ -7661,7 +7661,7 @@
             <a:fld id="{2194DA84-9BF2-4D1D-989C-A0CF6764201C}" type="datetimeFigureOut">
               <a:rPr lang="en-US" smtClean="0"/>
               <a:pPr/>
-              <a:t>11/18/2016</a:t>
+              <a:t>11/21/2016</a:t>
             </a:fld>
             <a:endParaRPr lang="en-US"/>
           </a:p>
@@ -8578,13 +8578,21 @@
           <a:p>
             <a:r>
               <a:rPr lang="en-US" dirty="0" smtClean="0"/>
-              <a:t>We identified the referential integrity in our relations and made sure we abide by them</a:t>
-            </a:r>
-          </a:p>
-          <a:p>
+              <a:t>We identified the </a:t>
+            </a:r>
+            <a:r>
+              <a:rPr lang="en-US" smtClean="0"/>
+              <a:t>referential integrity </a:t>
+            </a:r>
             <a:r>
               <a:rPr lang="en-US" dirty="0" smtClean="0"/>
-              <a:t>We have full key dependency, we avoided the use of partial and transitive dependency.</a:t>
+              <a:t>in our relations and made sure we abide by them.</a:t>
+            </a:r>
+          </a:p>
+          <a:p>
+            <a:r>
+              <a:rPr lang="en-US" dirty="0" smtClean="0"/>
+              <a:t>We have full key dependency, we don't use the partial and transitive dependency.</a:t>
             </a:r>
           </a:p>
           <a:p>
@@ -8675,8 +8683,13 @@
           <a:p>
             <a:r>
               <a:rPr lang="en-US" dirty="0" smtClean="0"/>
-              <a:t>Our queries are running fast enough, and most depends on PKs.</a:t>
-            </a:r>
+              <a:t>Our queries are running fast enough, and most depends on </a:t>
+            </a:r>
+            <a:r>
+              <a:rPr lang="en-US" dirty="0" smtClean="0"/>
+              <a:t>PKs and FKs.</a:t>
+            </a:r>
+            <a:endParaRPr lang="en-US" dirty="0" smtClean="0"/>
           </a:p>
           <a:p>
             <a:r>
@@ -8752,8 +8765,13 @@
           <a:p>
             <a:r>
               <a:rPr lang="en-US" dirty="0" smtClean="0"/>
-              <a:t>Although data access is with the use of SQL select statement, our users wont be writing the code</a:t>
-            </a:r>
+              <a:t>Although data access is with the use of SQL select statement, our users wont be writing the </a:t>
+            </a:r>
+            <a:r>
+              <a:rPr lang="en-US" dirty="0" smtClean="0"/>
+              <a:t>code.</a:t>
+            </a:r>
+            <a:endParaRPr lang="en-US" dirty="0" smtClean="0"/>
           </a:p>
           <a:p>
             <a:r>
@@ -9385,7 +9403,7 @@
           <a:p>
             <a:r>
               <a:rPr lang="en-US" dirty="0" smtClean="0"/>
-              <a:t>Will be in Saudi Arabia.</a:t>
+              <a:t>It provides emergency management services and courses. </a:t>
             </a:r>
           </a:p>
           <a:p>
@@ -9712,12 +9730,8 @@
           <a:lstStyle/>
           <a:p>
             <a:r>
-              <a:rPr lang="en-US" dirty="0"/>
-              <a:t>I</a:t>
-            </a:r>
-            <a:r>
               <a:rPr lang="en-US" dirty="0" smtClean="0"/>
-              <a:t>mprovement</a:t>
+              <a:t>Improvements</a:t>
             </a:r>
             <a:endParaRPr lang="en-US" dirty="0"/>
           </a:p>
@@ -9740,8 +9754,14 @@
           <a:p>
             <a:r>
               <a:rPr lang="en-US" dirty="0" smtClean="0"/>
-              <a:t>We will like to improve our design in the future, time permitting to include more functionalities.</a:t>
-            </a:r>
+              <a:t>We will like to improve our design in the future, time permitting to include more functionalities</a:t>
+            </a:r>
+            <a:r>
+              <a:rPr lang="en-US" dirty="0" smtClean="0"/>
+              <a:t>.</a:t>
+            </a:r>
+          </a:p>
+          <a:p>
             <a:endParaRPr lang="en-US" dirty="0"/>
           </a:p>
         </p:txBody>
@@ -9811,7 +9831,7 @@
           <a:p>
             <a:r>
               <a:rPr lang="en-US" dirty="0" smtClean="0"/>
-              <a:t>Emergency management</a:t>
+              <a:t>Emergency operation plan.</a:t>
             </a:r>
           </a:p>
           <a:p>
@@ -9994,7 +10014,7 @@
           <a:p>
             <a:r>
               <a:rPr lang="en-US" dirty="0" smtClean="0"/>
-              <a:t>CERT(Community emergency response training</a:t>
+              <a:t>CERT(Community emergency response training).</a:t>
             </a:r>
           </a:p>
           <a:p>
@@ -10011,12 +10031,8 @@
           </a:p>
           <a:p>
             <a:r>
-              <a:rPr lang="en-US" dirty="0" err="1" smtClean="0"/>
-              <a:t>Fema</a:t>
-            </a:r>
-            <a:r>
               <a:rPr lang="en-US" dirty="0" smtClean="0"/>
-              <a:t> courses.</a:t>
+              <a:t>FEMA courses.</a:t>
             </a:r>
             <a:endParaRPr lang="en-US" dirty="0"/>
           </a:p>

--- a/Presentation.pptx
+++ b/Presentation.pptx
@@ -425,7 +425,7 @@
             <a:fld id="{2194DA84-9BF2-4D1D-989C-A0CF6764201C}" type="datetimeFigureOut">
               <a:rPr lang="en-US" smtClean="0"/>
               <a:pPr/>
-              <a:t>11/21/2016</a:t>
+              <a:t>11/25/2016</a:t>
             </a:fld>
             <a:endParaRPr lang="en-US"/>
           </a:p>
@@ -859,7 +859,7 @@
             <a:fld id="{2194DA84-9BF2-4D1D-989C-A0CF6764201C}" type="datetimeFigureOut">
               <a:rPr lang="en-US" smtClean="0"/>
               <a:pPr/>
-              <a:t>11/21/2016</a:t>
+              <a:t>11/25/2016</a:t>
             </a:fld>
             <a:endParaRPr lang="en-US"/>
           </a:p>
@@ -1210,7 +1210,7 @@
             <a:fld id="{2194DA84-9BF2-4D1D-989C-A0CF6764201C}" type="datetimeFigureOut">
               <a:rPr lang="en-US" smtClean="0"/>
               <a:pPr/>
-              <a:t>11/21/2016</a:t>
+              <a:t>11/25/2016</a:t>
             </a:fld>
             <a:endParaRPr lang="en-US"/>
           </a:p>
@@ -1630,7 +1630,7 @@
             <a:fld id="{2194DA84-9BF2-4D1D-989C-A0CF6764201C}" type="datetimeFigureOut">
               <a:rPr lang="en-US" smtClean="0"/>
               <a:pPr/>
-              <a:t>11/21/2016</a:t>
+              <a:t>11/25/2016</a:t>
             </a:fld>
             <a:endParaRPr lang="en-US"/>
           </a:p>
@@ -2213,7 +2213,7 @@
             <a:fld id="{2194DA84-9BF2-4D1D-989C-A0CF6764201C}" type="datetimeFigureOut">
               <a:rPr lang="en-US" smtClean="0"/>
               <a:pPr/>
-              <a:t>11/21/2016</a:t>
+              <a:t>11/25/2016</a:t>
             </a:fld>
             <a:endParaRPr lang="en-US"/>
           </a:p>
@@ -2909,7 +2909,7 @@
             <a:fld id="{2194DA84-9BF2-4D1D-989C-A0CF6764201C}" type="datetimeFigureOut">
               <a:rPr lang="en-US" smtClean="0"/>
               <a:pPr/>
-              <a:t>11/21/2016</a:t>
+              <a:t>11/25/2016</a:t>
             </a:fld>
             <a:endParaRPr lang="en-US"/>
           </a:p>
@@ -3837,7 +3837,7 @@
             <a:fld id="{2194DA84-9BF2-4D1D-989C-A0CF6764201C}" type="datetimeFigureOut">
               <a:rPr lang="en-US" smtClean="0"/>
               <a:pPr/>
-              <a:t>11/21/2016</a:t>
+              <a:t>11/25/2016</a:t>
             </a:fld>
             <a:endParaRPr lang="en-US"/>
           </a:p>
@@ -4170,7 +4170,7 @@
             <a:fld id="{2194DA84-9BF2-4D1D-989C-A0CF6764201C}" type="datetimeFigureOut">
               <a:rPr lang="en-US" smtClean="0"/>
               <a:pPr/>
-              <a:t>11/21/2016</a:t>
+              <a:t>11/25/2016</a:t>
             </a:fld>
             <a:endParaRPr lang="en-US"/>
           </a:p>
@@ -4451,7 +4451,7 @@
             <a:fld id="{2194DA84-9BF2-4D1D-989C-A0CF6764201C}" type="datetimeFigureOut">
               <a:rPr lang="en-US" smtClean="0"/>
               <a:pPr/>
-              <a:t>11/21/2016</a:t>
+              <a:t>11/25/2016</a:t>
             </a:fld>
             <a:endParaRPr lang="en-US"/>
           </a:p>
@@ -4789,7 +4789,7 @@
             <a:fld id="{2194DA84-9BF2-4D1D-989C-A0CF6764201C}" type="datetimeFigureOut">
               <a:rPr lang="en-US" smtClean="0"/>
               <a:pPr/>
-              <a:t>11/21/2016</a:t>
+              <a:t>11/25/2016</a:t>
             </a:fld>
             <a:endParaRPr lang="en-US"/>
           </a:p>
@@ -5198,7 +5198,7 @@
             <a:fld id="{2194DA84-9BF2-4D1D-989C-A0CF6764201C}" type="datetimeFigureOut">
               <a:rPr lang="en-US" smtClean="0"/>
               <a:pPr/>
-              <a:t>11/21/2016</a:t>
+              <a:t>11/25/2016</a:t>
             </a:fld>
             <a:endParaRPr lang="en-US"/>
           </a:p>
@@ -5599,7 +5599,7 @@
             <a:fld id="{2194DA84-9BF2-4D1D-989C-A0CF6764201C}" type="datetimeFigureOut">
               <a:rPr lang="en-US" smtClean="0"/>
               <a:pPr/>
-              <a:t>11/21/2016</a:t>
+              <a:t>11/25/2016</a:t>
             </a:fld>
             <a:endParaRPr lang="en-US"/>
           </a:p>
@@ -6120,7 +6120,7 @@
             <a:fld id="{2194DA84-9BF2-4D1D-989C-A0CF6764201C}" type="datetimeFigureOut">
               <a:rPr lang="en-US" smtClean="0"/>
               <a:pPr/>
-              <a:t>11/21/2016</a:t>
+              <a:t>11/25/2016</a:t>
             </a:fld>
             <a:endParaRPr lang="en-US"/>
           </a:p>
@@ -6392,7 +6392,7 @@
             <a:fld id="{2194DA84-9BF2-4D1D-989C-A0CF6764201C}" type="datetimeFigureOut">
               <a:rPr lang="en-US" smtClean="0"/>
               <a:pPr/>
-              <a:t>11/21/2016</a:t>
+              <a:t>11/25/2016</a:t>
             </a:fld>
             <a:endParaRPr lang="en-US"/>
           </a:p>
@@ -6556,7 +6556,7 @@
             <a:fld id="{2194DA84-9BF2-4D1D-989C-A0CF6764201C}" type="datetimeFigureOut">
               <a:rPr lang="en-US" smtClean="0"/>
               <a:pPr/>
-              <a:t>11/21/2016</a:t>
+              <a:t>11/25/2016</a:t>
             </a:fld>
             <a:endParaRPr lang="en-US"/>
           </a:p>
@@ -6961,7 +6961,7 @@
             <a:fld id="{2194DA84-9BF2-4D1D-989C-A0CF6764201C}" type="datetimeFigureOut">
               <a:rPr lang="en-US" smtClean="0"/>
               <a:pPr/>
-              <a:t>11/21/2016</a:t>
+              <a:t>11/25/2016</a:t>
             </a:fld>
             <a:endParaRPr lang="en-US"/>
           </a:p>
@@ -7385,7 +7385,7 @@
             <a:fld id="{2194DA84-9BF2-4D1D-989C-A0CF6764201C}" type="datetimeFigureOut">
               <a:rPr lang="en-US" smtClean="0"/>
               <a:pPr/>
-              <a:t>11/21/2016</a:t>
+              <a:t>11/25/2016</a:t>
             </a:fld>
             <a:endParaRPr lang="en-US"/>
           </a:p>
@@ -7521,7 +7521,7 @@
           </a:prstGeom>
           <a:extLst>
             <a:ext uri="{909E8E84-426E-40dd-AFC4-6F175D3DCCD1}">
-              <a14:hiddenFill xmlns="" xmlns:a14="http://schemas.microsoft.com/office/drawing/2010/main">
+              <a14:hiddenFill xmlns:a14="http://schemas.microsoft.com/office/drawing/2010/main" xmlns="">
                 <a:solidFill>
                   <a:srgbClr val="FFFFFF"/>
                 </a:solidFill>
@@ -7661,7 +7661,7 @@
             <a:fld id="{2194DA84-9BF2-4D1D-989C-A0CF6764201C}" type="datetimeFigureOut">
               <a:rPr lang="en-US" smtClean="0"/>
               <a:pPr/>
-              <a:t>11/21/2016</a:t>
+              <a:t>11/25/2016</a:t>
             </a:fld>
             <a:endParaRPr lang="en-US"/>
           </a:p>
@@ -8683,13 +8683,8 @@
           <a:p>
             <a:r>
               <a:rPr lang="en-US" dirty="0" smtClean="0"/>
-              <a:t>Our queries are running fast enough, and most depends on </a:t>
-            </a:r>
-            <a:r>
-              <a:rPr lang="en-US" dirty="0" smtClean="0"/>
-              <a:t>PKs and FKs.</a:t>
-            </a:r>
-            <a:endParaRPr lang="en-US" dirty="0" smtClean="0"/>
+              <a:t>Our queries are running fast enough, and most depends on PKs and FKs.</a:t>
+            </a:r>
           </a:p>
           <a:p>
             <a:r>
@@ -8765,13 +8760,8 @@
           <a:p>
             <a:r>
               <a:rPr lang="en-US" dirty="0" smtClean="0"/>
-              <a:t>Although data access is with the use of SQL select statement, our users wont be writing the </a:t>
-            </a:r>
-            <a:r>
-              <a:rPr lang="en-US" dirty="0" smtClean="0"/>
-              <a:t>code.</a:t>
-            </a:r>
-            <a:endParaRPr lang="en-US" dirty="0" smtClean="0"/>
+              <a:t>Although data access is with the use of SQL select statement, our users wont be writing the code.</a:t>
+            </a:r>
           </a:p>
           <a:p>
             <a:r>
@@ -8836,7 +8826,7 @@
           <a:p>
             <a:r>
               <a:rPr lang="en-US" dirty="0" smtClean="0"/>
-              <a:t>Cont.(home)</a:t>
+              <a:t>Log in interface</a:t>
             </a:r>
             <a:endParaRPr lang="en-US" dirty="0"/>
           </a:p>
@@ -9754,11 +9744,7 @@
           <a:p>
             <a:r>
               <a:rPr lang="en-US" dirty="0" smtClean="0"/>
-              <a:t>We will like to improve our design in the future, time permitting to include more functionalities</a:t>
-            </a:r>
-            <a:r>
-              <a:rPr lang="en-US" dirty="0" smtClean="0"/>
-              <a:t>.</a:t>
+              <a:t>We will like to improve our design in the future, time permitting to include more functionalities.</a:t>
             </a:r>
           </a:p>
           <a:p>

--- a/Presentation.pptx
+++ b/Presentation.pptx
@@ -425,7 +425,7 @@
             <a:fld id="{2194DA84-9BF2-4D1D-989C-A0CF6764201C}" type="datetimeFigureOut">
               <a:rPr lang="en-US" smtClean="0"/>
               <a:pPr/>
-              <a:t>11/25/2016</a:t>
+              <a:t>11/29/2016</a:t>
             </a:fld>
             <a:endParaRPr lang="en-US"/>
           </a:p>
@@ -859,7 +859,7 @@
             <a:fld id="{2194DA84-9BF2-4D1D-989C-A0CF6764201C}" type="datetimeFigureOut">
               <a:rPr lang="en-US" smtClean="0"/>
               <a:pPr/>
-              <a:t>11/25/2016</a:t>
+              <a:t>11/29/2016</a:t>
             </a:fld>
             <a:endParaRPr lang="en-US"/>
           </a:p>
@@ -1210,7 +1210,7 @@
             <a:fld id="{2194DA84-9BF2-4D1D-989C-A0CF6764201C}" type="datetimeFigureOut">
               <a:rPr lang="en-US" smtClean="0"/>
               <a:pPr/>
-              <a:t>11/25/2016</a:t>
+              <a:t>11/29/2016</a:t>
             </a:fld>
             <a:endParaRPr lang="en-US"/>
           </a:p>
@@ -1630,7 +1630,7 @@
             <a:fld id="{2194DA84-9BF2-4D1D-989C-A0CF6764201C}" type="datetimeFigureOut">
               <a:rPr lang="en-US" smtClean="0"/>
               <a:pPr/>
-              <a:t>11/25/2016</a:t>
+              <a:t>11/29/2016</a:t>
             </a:fld>
             <a:endParaRPr lang="en-US"/>
           </a:p>
@@ -2213,7 +2213,7 @@
             <a:fld id="{2194DA84-9BF2-4D1D-989C-A0CF6764201C}" type="datetimeFigureOut">
               <a:rPr lang="en-US" smtClean="0"/>
               <a:pPr/>
-              <a:t>11/25/2016</a:t>
+              <a:t>11/29/2016</a:t>
             </a:fld>
             <a:endParaRPr lang="en-US"/>
           </a:p>
@@ -2909,7 +2909,7 @@
             <a:fld id="{2194DA84-9BF2-4D1D-989C-A0CF6764201C}" type="datetimeFigureOut">
               <a:rPr lang="en-US" smtClean="0"/>
               <a:pPr/>
-              <a:t>11/25/2016</a:t>
+              <a:t>11/29/2016</a:t>
             </a:fld>
             <a:endParaRPr lang="en-US"/>
           </a:p>
@@ -3837,7 +3837,7 @@
             <a:fld id="{2194DA84-9BF2-4D1D-989C-A0CF6764201C}" type="datetimeFigureOut">
               <a:rPr lang="en-US" smtClean="0"/>
               <a:pPr/>
-              <a:t>11/25/2016</a:t>
+              <a:t>11/29/2016</a:t>
             </a:fld>
             <a:endParaRPr lang="en-US"/>
           </a:p>
@@ -4170,7 +4170,7 @@
             <a:fld id="{2194DA84-9BF2-4D1D-989C-A0CF6764201C}" type="datetimeFigureOut">
               <a:rPr lang="en-US" smtClean="0"/>
               <a:pPr/>
-              <a:t>11/25/2016</a:t>
+              <a:t>11/29/2016</a:t>
             </a:fld>
             <a:endParaRPr lang="en-US"/>
           </a:p>
@@ -4451,7 +4451,7 @@
             <a:fld id="{2194DA84-9BF2-4D1D-989C-A0CF6764201C}" type="datetimeFigureOut">
               <a:rPr lang="en-US" smtClean="0"/>
               <a:pPr/>
-              <a:t>11/25/2016</a:t>
+              <a:t>11/29/2016</a:t>
             </a:fld>
             <a:endParaRPr lang="en-US"/>
           </a:p>
@@ -4789,7 +4789,7 @@
             <a:fld id="{2194DA84-9BF2-4D1D-989C-A0CF6764201C}" type="datetimeFigureOut">
               <a:rPr lang="en-US" smtClean="0"/>
               <a:pPr/>
-              <a:t>11/25/2016</a:t>
+              <a:t>11/29/2016</a:t>
             </a:fld>
             <a:endParaRPr lang="en-US"/>
           </a:p>
@@ -5198,7 +5198,7 @@
             <a:fld id="{2194DA84-9BF2-4D1D-989C-A0CF6764201C}" type="datetimeFigureOut">
               <a:rPr lang="en-US" smtClean="0"/>
               <a:pPr/>
-              <a:t>11/25/2016</a:t>
+              <a:t>11/29/2016</a:t>
             </a:fld>
             <a:endParaRPr lang="en-US"/>
           </a:p>
@@ -5599,7 +5599,7 @@
             <a:fld id="{2194DA84-9BF2-4D1D-989C-A0CF6764201C}" type="datetimeFigureOut">
               <a:rPr lang="en-US" smtClean="0"/>
               <a:pPr/>
-              <a:t>11/25/2016</a:t>
+              <a:t>11/29/2016</a:t>
             </a:fld>
             <a:endParaRPr lang="en-US"/>
           </a:p>
@@ -6120,7 +6120,7 @@
             <a:fld id="{2194DA84-9BF2-4D1D-989C-A0CF6764201C}" type="datetimeFigureOut">
               <a:rPr lang="en-US" smtClean="0"/>
               <a:pPr/>
-              <a:t>11/25/2016</a:t>
+              <a:t>11/29/2016</a:t>
             </a:fld>
             <a:endParaRPr lang="en-US"/>
           </a:p>
@@ -6392,7 +6392,7 @@
             <a:fld id="{2194DA84-9BF2-4D1D-989C-A0CF6764201C}" type="datetimeFigureOut">
               <a:rPr lang="en-US" smtClean="0"/>
               <a:pPr/>
-              <a:t>11/25/2016</a:t>
+              <a:t>11/29/2016</a:t>
             </a:fld>
             <a:endParaRPr lang="en-US"/>
           </a:p>
@@ -6556,7 +6556,7 @@
             <a:fld id="{2194DA84-9BF2-4D1D-989C-A0CF6764201C}" type="datetimeFigureOut">
               <a:rPr lang="en-US" smtClean="0"/>
               <a:pPr/>
-              <a:t>11/25/2016</a:t>
+              <a:t>11/29/2016</a:t>
             </a:fld>
             <a:endParaRPr lang="en-US"/>
           </a:p>
@@ -6961,7 +6961,7 @@
             <a:fld id="{2194DA84-9BF2-4D1D-989C-A0CF6764201C}" type="datetimeFigureOut">
               <a:rPr lang="en-US" smtClean="0"/>
               <a:pPr/>
-              <a:t>11/25/2016</a:t>
+              <a:t>11/29/2016</a:t>
             </a:fld>
             <a:endParaRPr lang="en-US"/>
           </a:p>
@@ -7385,7 +7385,7 @@
             <a:fld id="{2194DA84-9BF2-4D1D-989C-A0CF6764201C}" type="datetimeFigureOut">
               <a:rPr lang="en-US" smtClean="0"/>
               <a:pPr/>
-              <a:t>11/25/2016</a:t>
+              <a:t>11/29/2016</a:t>
             </a:fld>
             <a:endParaRPr lang="en-US"/>
           </a:p>
@@ -7521,7 +7521,7 @@
           </a:prstGeom>
           <a:extLst>
             <a:ext uri="{909E8E84-426E-40dd-AFC4-6F175D3DCCD1}">
-              <a14:hiddenFill xmlns:a14="http://schemas.microsoft.com/office/drawing/2010/main" xmlns="">
+              <a14:hiddenFill xmlns="" xmlns:a14="http://schemas.microsoft.com/office/drawing/2010/main">
                 <a:solidFill>
                   <a:srgbClr val="FFFFFF"/>
                 </a:solidFill>
@@ -7661,7 +7661,7 @@
             <a:fld id="{2194DA84-9BF2-4D1D-989C-A0CF6764201C}" type="datetimeFigureOut">
               <a:rPr lang="en-US" smtClean="0"/>
               <a:pPr/>
-              <a:t>11/25/2016</a:t>
+              <a:t>11/29/2016</a:t>
             </a:fld>
             <a:endParaRPr lang="en-US"/>
           </a:p>
@@ -8197,6 +8197,13 @@
   <p:clrMapOvr>
     <a:masterClrMapping/>
   </p:clrMapOvr>
+  <p:timing>
+    <p:tnLst>
+      <p:par>
+        <p:cTn id="1" dur="indefinite" restart="never" nodeType="tmRoot"/>
+      </p:par>
+    </p:tnLst>
+  </p:timing>
 </p:sld>
 </file>
 
@@ -8516,6 +8523,13 @@
   <p:clrMapOvr>
     <a:masterClrMapping/>
   </p:clrMapOvr>
+  <p:timing>
+    <p:tnLst>
+      <p:par>
+        <p:cTn id="1" dur="indefinite" restart="never" nodeType="tmRoot"/>
+      </p:par>
+    </p:tnLst>
+  </p:timing>
 </p:sld>
 </file>
 
@@ -8617,6 +8631,13 @@
   <p:clrMapOvr>
     <a:masterClrMapping/>
   </p:clrMapOvr>
+  <p:timing>
+    <p:tnLst>
+      <p:par>
+        <p:cTn id="1" dur="indefinite" restart="never" nodeType="tmRoot"/>
+      </p:par>
+    </p:tnLst>
+  </p:timing>
 </p:sld>
 </file>
 
@@ -8689,7 +8710,15 @@
           <a:p>
             <a:r>
               <a:rPr lang="en-US" dirty="0" smtClean="0"/>
-              <a:t>Indexes are expensive and takes time to maintain, we will use them only if need be.</a:t>
+              <a:t>Indexes are expensive and </a:t>
+            </a:r>
+            <a:r>
+              <a:rPr lang="en-US" dirty="0" smtClean="0"/>
+              <a:t>take </a:t>
+            </a:r>
+            <a:r>
+              <a:rPr lang="en-US" dirty="0" smtClean="0"/>
+              <a:t>time to maintain, we will use them only if need be.</a:t>
             </a:r>
             <a:endParaRPr lang="en-US" dirty="0"/>
           </a:p>
@@ -8700,6 +8729,13 @@
   <p:clrMapOvr>
     <a:masterClrMapping/>
   </p:clrMapOvr>
+  <p:timing>
+    <p:tnLst>
+      <p:par>
+        <p:cTn id="1" dur="indefinite" restart="never" nodeType="tmRoot"/>
+      </p:par>
+    </p:tnLst>
+  </p:timing>
 </p:sld>
 </file>
 
@@ -8760,7 +8796,31 @@
           <a:p>
             <a:r>
               <a:rPr lang="en-US" dirty="0" smtClean="0"/>
-              <a:t>Although data access is with the use of SQL select statement, our users wont be writing the code.</a:t>
+              <a:t>Although data access is </a:t>
+            </a:r>
+            <a:r>
+              <a:rPr lang="en-US" dirty="0" smtClean="0"/>
+              <a:t>done with SQL </a:t>
+            </a:r>
+            <a:r>
+              <a:rPr lang="en-US" dirty="0" smtClean="0"/>
+              <a:t>select </a:t>
+            </a:r>
+            <a:r>
+              <a:rPr lang="en-US" dirty="0" smtClean="0"/>
+              <a:t>statements, </a:t>
+            </a:r>
+            <a:r>
+              <a:rPr lang="en-US" dirty="0" smtClean="0"/>
+              <a:t>our users </a:t>
+            </a:r>
+            <a:r>
+              <a:rPr lang="en-US" dirty="0" smtClean="0"/>
+              <a:t>won’t </a:t>
+            </a:r>
+            <a:r>
+              <a:rPr lang="en-US" dirty="0" smtClean="0"/>
+              <a:t>be writing the code.</a:t>
             </a:r>
           </a:p>
           <a:p>
@@ -8789,6 +8849,13 @@
   <p:clrMapOvr>
     <a:masterClrMapping/>
   </p:clrMapOvr>
+  <p:timing>
+    <p:tnLst>
+      <p:par>
+        <p:cTn id="1" dur="indefinite" restart="never" nodeType="tmRoot"/>
+      </p:par>
+    </p:tnLst>
+  </p:timing>
 </p:sld>
 </file>
 
@@ -8877,6 +8944,13 @@
   <p:clrMapOvr>
     <a:masterClrMapping/>
   </p:clrMapOvr>
+  <p:timing>
+    <p:tnLst>
+      <p:par>
+        <p:cTn id="1" dur="indefinite" restart="never" nodeType="tmRoot"/>
+      </p:par>
+    </p:tnLst>
+  </p:timing>
 </p:sld>
 </file>
 
@@ -8965,6 +9039,13 @@
   <p:clrMapOvr>
     <a:masterClrMapping/>
   </p:clrMapOvr>
+  <p:timing>
+    <p:tnLst>
+      <p:par>
+        <p:cTn id="1" dur="indefinite" restart="never" nodeType="tmRoot"/>
+      </p:par>
+    </p:tnLst>
+  </p:timing>
 </p:sld>
 </file>
 
@@ -9051,6 +9132,13 @@
   <p:clrMapOvr>
     <a:masterClrMapping/>
   </p:clrMapOvr>
+  <p:timing>
+    <p:tnLst>
+      <p:par>
+        <p:cTn id="1" dur="indefinite" restart="never" nodeType="tmRoot"/>
+      </p:par>
+    </p:tnLst>
+  </p:timing>
 </p:sld>
 </file>
 
@@ -9147,6 +9235,13 @@
   <p:clrMapOvr>
     <a:masterClrMapping/>
   </p:clrMapOvr>
+  <p:timing>
+    <p:tnLst>
+      <p:par>
+        <p:cTn id="1" dur="indefinite" restart="never" nodeType="tmRoot"/>
+      </p:par>
+    </p:tnLst>
+  </p:timing>
 </p:sld>
 </file>
 
@@ -9235,6 +9330,13 @@
   <p:clrMapOvr>
     <a:masterClrMapping/>
   </p:clrMapOvr>
+  <p:timing>
+    <p:tnLst>
+      <p:par>
+        <p:cTn id="1" dur="indefinite" restart="never" nodeType="tmRoot"/>
+      </p:par>
+    </p:tnLst>
+  </p:timing>
 </p:sld>
 </file>
 
@@ -9327,6 +9429,13 @@
   <p:clrMapOvr>
     <a:masterClrMapping/>
   </p:clrMapOvr>
+  <p:timing>
+    <p:tnLst>
+      <p:par>
+        <p:cTn id="1" dur="indefinite" restart="never" nodeType="tmRoot"/>
+      </p:par>
+    </p:tnLst>
+  </p:timing>
 </p:sld>
 </file>
 
@@ -9399,7 +9508,15 @@
           <a:p>
             <a:r>
               <a:rPr lang="en-US" dirty="0" smtClean="0"/>
-              <a:t>Provides Services for organizations.</a:t>
+              <a:t>Provides </a:t>
+            </a:r>
+            <a:r>
+              <a:rPr lang="en-US" dirty="0" smtClean="0"/>
+              <a:t>services </a:t>
+            </a:r>
+            <a:r>
+              <a:rPr lang="en-US" dirty="0" smtClean="0"/>
+              <a:t>for organizations.</a:t>
             </a:r>
           </a:p>
           <a:p>
@@ -9416,6 +9533,13 @@
   <p:clrMapOvr>
     <a:masterClrMapping/>
   </p:clrMapOvr>
+  <p:timing>
+    <p:tnLst>
+      <p:par>
+        <p:cTn id="1" dur="indefinite" restart="never" nodeType="tmRoot"/>
+      </p:par>
+    </p:tnLst>
+  </p:timing>
 </p:sld>
 </file>
 
@@ -9504,6 +9628,13 @@
   <p:clrMapOvr>
     <a:masterClrMapping/>
   </p:clrMapOvr>
+  <p:timing>
+    <p:tnLst>
+      <p:par>
+        <p:cTn id="1" dur="indefinite" restart="never" nodeType="tmRoot"/>
+      </p:par>
+    </p:tnLst>
+  </p:timing>
 </p:sld>
 </file>
 
@@ -9596,6 +9727,13 @@
   <p:clrMapOvr>
     <a:masterClrMapping/>
   </p:clrMapOvr>
+  <p:timing>
+    <p:tnLst>
+      <p:par>
+        <p:cTn id="1" dur="indefinite" restart="never" nodeType="tmRoot"/>
+      </p:par>
+    </p:tnLst>
+  </p:timing>
 </p:sld>
 </file>
 
@@ -9684,6 +9822,13 @@
   <p:clrMapOvr>
     <a:masterClrMapping/>
   </p:clrMapOvr>
+  <p:timing>
+    <p:tnLst>
+      <p:par>
+        <p:cTn id="1" dur="indefinite" restart="never" nodeType="tmRoot"/>
+      </p:par>
+    </p:tnLst>
+  </p:timing>
 </p:sld>
 </file>
 
@@ -9744,7 +9889,23 @@
           <a:p>
             <a:r>
               <a:rPr lang="en-US" dirty="0" smtClean="0"/>
-              <a:t>We will like to improve our design in the future, time permitting to include more functionalities.</a:t>
+              <a:t>We </a:t>
+            </a:r>
+            <a:r>
+              <a:rPr lang="en-US" dirty="0" smtClean="0"/>
+              <a:t>would </a:t>
+            </a:r>
+            <a:r>
+              <a:rPr lang="en-US" dirty="0" smtClean="0"/>
+              <a:t>like to improve our design in the future, time </a:t>
+            </a:r>
+            <a:r>
+              <a:rPr lang="en-US" dirty="0" smtClean="0"/>
+              <a:t>permitting, </a:t>
+            </a:r>
+            <a:r>
+              <a:rPr lang="en-US" dirty="0" smtClean="0"/>
+              <a:t>to include more functionalities.</a:t>
             </a:r>
           </a:p>
           <a:p>
@@ -9757,6 +9918,13 @@
   <p:clrMapOvr>
     <a:masterClrMapping/>
   </p:clrMapOvr>
+  <p:timing>
+    <p:tnLst>
+      <p:par>
+        <p:cTn id="1" dur="indefinite" restart="never" nodeType="tmRoot"/>
+      </p:par>
+    </p:tnLst>
+  </p:timing>
 </p:sld>
 </file>
 
@@ -9829,8 +9997,13 @@
           <a:p>
             <a:r>
               <a:rPr lang="en-US" dirty="0"/>
-              <a:t>Walk in security assessment</a:t>
-            </a:r>
+              <a:t>Walk in security </a:t>
+            </a:r>
+            <a:r>
+              <a:rPr lang="en-US" dirty="0" smtClean="0"/>
+              <a:t>assessment.</a:t>
+            </a:r>
+            <a:endParaRPr lang="en-US" dirty="0"/>
           </a:p>
           <a:p>
             <a:r>
@@ -9851,6 +10024,13 @@
   <p:clrMapOvr>
     <a:masterClrMapping/>
   </p:clrMapOvr>
+  <p:timing>
+    <p:tnLst>
+      <p:par>
+        <p:cTn id="1" dur="indefinite" restart="never" nodeType="tmRoot"/>
+      </p:par>
+    </p:tnLst>
+  </p:timing>
 </p:sld>
 </file>
 
@@ -9923,8 +10103,13 @@
           <a:p>
             <a:r>
               <a:rPr lang="en-US" dirty="0" smtClean="0"/>
-              <a:t>Red Crescent Authority</a:t>
-            </a:r>
+              <a:t>Red Crescent </a:t>
+            </a:r>
+            <a:r>
+              <a:rPr lang="en-US" dirty="0" smtClean="0"/>
+              <a:t>Authority.</a:t>
+            </a:r>
+            <a:endParaRPr lang="en-US" dirty="0" smtClean="0"/>
           </a:p>
           <a:p>
             <a:r>
@@ -9940,6 +10125,13 @@
   <p:clrMapOvr>
     <a:masterClrMapping/>
   </p:clrMapOvr>
+  <p:timing>
+    <p:tnLst>
+      <p:par>
+        <p:cTn id="1" dur="indefinite" restart="never" nodeType="tmRoot"/>
+      </p:par>
+    </p:tnLst>
+  </p:timing>
 </p:sld>
 </file>
 
@@ -10029,6 +10221,13 @@
   <p:clrMapOvr>
     <a:masterClrMapping/>
   </p:clrMapOvr>
+  <p:timing>
+    <p:tnLst>
+      <p:par>
+        <p:cTn id="1" dur="indefinite" restart="never" nodeType="tmRoot"/>
+      </p:par>
+    </p:tnLst>
+  </p:timing>
 </p:sld>
 </file>
 
@@ -10127,6 +10326,13 @@
   <p:clrMapOvr>
     <a:masterClrMapping/>
   </p:clrMapOvr>
+  <p:timing>
+    <p:tnLst>
+      <p:par>
+        <p:cTn id="1" dur="indefinite" restart="never" nodeType="tmRoot"/>
+      </p:par>
+    </p:tnLst>
+  </p:timing>
 </p:sld>
 </file>
 
@@ -10211,6 +10417,13 @@
   <p:clrMapOvr>
     <a:masterClrMapping/>
   </p:clrMapOvr>
+  <p:timing>
+    <p:tnLst>
+      <p:par>
+        <p:cTn id="1" dur="indefinite" restart="never" nodeType="tmRoot"/>
+      </p:par>
+    </p:tnLst>
+  </p:timing>
 </p:sld>
 </file>
 
@@ -10315,6 +10528,13 @@
   <p:clrMapOvr>
     <a:masterClrMapping/>
   </p:clrMapOvr>
+  <p:timing>
+    <p:tnLst>
+      <p:par>
+        <p:cTn id="1" dur="indefinite" restart="never" nodeType="tmRoot"/>
+      </p:par>
+    </p:tnLst>
+  </p:timing>
 </p:sld>
 </file>
 
@@ -10419,6 +10639,13 @@
   <p:clrMapOvr>
     <a:masterClrMapping/>
   </p:clrMapOvr>
+  <p:timing>
+    <p:tnLst>
+      <p:par>
+        <p:cTn id="1" dur="indefinite" restart="never" nodeType="tmRoot"/>
+      </p:par>
+    </p:tnLst>
+  </p:timing>
 </p:sld>
 </file>
 

--- a/Presentation.pptx
+++ b/Presentation.pptx
@@ -425,7 +425,7 @@
             <a:fld id="{2194DA84-9BF2-4D1D-989C-A0CF6764201C}" type="datetimeFigureOut">
               <a:rPr lang="en-US" smtClean="0"/>
               <a:pPr/>
-              <a:t>11/29/2016</a:t>
+              <a:t>11/30/2016</a:t>
             </a:fld>
             <a:endParaRPr lang="en-US"/>
           </a:p>
@@ -859,7 +859,7 @@
             <a:fld id="{2194DA84-9BF2-4D1D-989C-A0CF6764201C}" type="datetimeFigureOut">
               <a:rPr lang="en-US" smtClean="0"/>
               <a:pPr/>
-              <a:t>11/29/2016</a:t>
+              <a:t>11/30/2016</a:t>
             </a:fld>
             <a:endParaRPr lang="en-US"/>
           </a:p>
@@ -1210,7 +1210,7 @@
             <a:fld id="{2194DA84-9BF2-4D1D-989C-A0CF6764201C}" type="datetimeFigureOut">
               <a:rPr lang="en-US" smtClean="0"/>
               <a:pPr/>
-              <a:t>11/29/2016</a:t>
+              <a:t>11/30/2016</a:t>
             </a:fld>
             <a:endParaRPr lang="en-US"/>
           </a:p>
@@ -1630,7 +1630,7 @@
             <a:fld id="{2194DA84-9BF2-4D1D-989C-A0CF6764201C}" type="datetimeFigureOut">
               <a:rPr lang="en-US" smtClean="0"/>
               <a:pPr/>
-              <a:t>11/29/2016</a:t>
+              <a:t>11/30/2016</a:t>
             </a:fld>
             <a:endParaRPr lang="en-US"/>
           </a:p>
@@ -2213,7 +2213,7 @@
             <a:fld id="{2194DA84-9BF2-4D1D-989C-A0CF6764201C}" type="datetimeFigureOut">
               <a:rPr lang="en-US" smtClean="0"/>
               <a:pPr/>
-              <a:t>11/29/2016</a:t>
+              <a:t>11/30/2016</a:t>
             </a:fld>
             <a:endParaRPr lang="en-US"/>
           </a:p>
@@ -2909,7 +2909,7 @@
             <a:fld id="{2194DA84-9BF2-4D1D-989C-A0CF6764201C}" type="datetimeFigureOut">
               <a:rPr lang="en-US" smtClean="0"/>
               <a:pPr/>
-              <a:t>11/29/2016</a:t>
+              <a:t>11/30/2016</a:t>
             </a:fld>
             <a:endParaRPr lang="en-US"/>
           </a:p>
@@ -3837,7 +3837,7 @@
             <a:fld id="{2194DA84-9BF2-4D1D-989C-A0CF6764201C}" type="datetimeFigureOut">
               <a:rPr lang="en-US" smtClean="0"/>
               <a:pPr/>
-              <a:t>11/29/2016</a:t>
+              <a:t>11/30/2016</a:t>
             </a:fld>
             <a:endParaRPr lang="en-US"/>
           </a:p>
@@ -4170,7 +4170,7 @@
             <a:fld id="{2194DA84-9BF2-4D1D-989C-A0CF6764201C}" type="datetimeFigureOut">
               <a:rPr lang="en-US" smtClean="0"/>
               <a:pPr/>
-              <a:t>11/29/2016</a:t>
+              <a:t>11/30/2016</a:t>
             </a:fld>
             <a:endParaRPr lang="en-US"/>
           </a:p>
@@ -4451,7 +4451,7 @@
             <a:fld id="{2194DA84-9BF2-4D1D-989C-A0CF6764201C}" type="datetimeFigureOut">
               <a:rPr lang="en-US" smtClean="0"/>
               <a:pPr/>
-              <a:t>11/29/2016</a:t>
+              <a:t>11/30/2016</a:t>
             </a:fld>
             <a:endParaRPr lang="en-US"/>
           </a:p>
@@ -4789,7 +4789,7 @@
             <a:fld id="{2194DA84-9BF2-4D1D-989C-A0CF6764201C}" type="datetimeFigureOut">
               <a:rPr lang="en-US" smtClean="0"/>
               <a:pPr/>
-              <a:t>11/29/2016</a:t>
+              <a:t>11/30/2016</a:t>
             </a:fld>
             <a:endParaRPr lang="en-US"/>
           </a:p>
@@ -5198,7 +5198,7 @@
             <a:fld id="{2194DA84-9BF2-4D1D-989C-A0CF6764201C}" type="datetimeFigureOut">
               <a:rPr lang="en-US" smtClean="0"/>
               <a:pPr/>
-              <a:t>11/29/2016</a:t>
+              <a:t>11/30/2016</a:t>
             </a:fld>
             <a:endParaRPr lang="en-US"/>
           </a:p>
@@ -5599,7 +5599,7 @@
             <a:fld id="{2194DA84-9BF2-4D1D-989C-A0CF6764201C}" type="datetimeFigureOut">
               <a:rPr lang="en-US" smtClean="0"/>
               <a:pPr/>
-              <a:t>11/29/2016</a:t>
+              <a:t>11/30/2016</a:t>
             </a:fld>
             <a:endParaRPr lang="en-US"/>
           </a:p>
@@ -6120,7 +6120,7 @@
             <a:fld id="{2194DA84-9BF2-4D1D-989C-A0CF6764201C}" type="datetimeFigureOut">
               <a:rPr lang="en-US" smtClean="0"/>
               <a:pPr/>
-              <a:t>11/29/2016</a:t>
+              <a:t>11/30/2016</a:t>
             </a:fld>
             <a:endParaRPr lang="en-US"/>
           </a:p>
@@ -6392,7 +6392,7 @@
             <a:fld id="{2194DA84-9BF2-4D1D-989C-A0CF6764201C}" type="datetimeFigureOut">
               <a:rPr lang="en-US" smtClean="0"/>
               <a:pPr/>
-              <a:t>11/29/2016</a:t>
+              <a:t>11/30/2016</a:t>
             </a:fld>
             <a:endParaRPr lang="en-US"/>
           </a:p>
@@ -6556,7 +6556,7 @@
             <a:fld id="{2194DA84-9BF2-4D1D-989C-A0CF6764201C}" type="datetimeFigureOut">
               <a:rPr lang="en-US" smtClean="0"/>
               <a:pPr/>
-              <a:t>11/29/2016</a:t>
+              <a:t>11/30/2016</a:t>
             </a:fld>
             <a:endParaRPr lang="en-US"/>
           </a:p>
@@ -6961,7 +6961,7 @@
             <a:fld id="{2194DA84-9BF2-4D1D-989C-A0CF6764201C}" type="datetimeFigureOut">
               <a:rPr lang="en-US" smtClean="0"/>
               <a:pPr/>
-              <a:t>11/29/2016</a:t>
+              <a:t>11/30/2016</a:t>
             </a:fld>
             <a:endParaRPr lang="en-US"/>
           </a:p>
@@ -7385,7 +7385,7 @@
             <a:fld id="{2194DA84-9BF2-4D1D-989C-A0CF6764201C}" type="datetimeFigureOut">
               <a:rPr lang="en-US" smtClean="0"/>
               <a:pPr/>
-              <a:t>11/29/2016</a:t>
+              <a:t>11/30/2016</a:t>
             </a:fld>
             <a:endParaRPr lang="en-US"/>
           </a:p>
@@ -7521,7 +7521,7 @@
           </a:prstGeom>
           <a:extLst>
             <a:ext uri="{909E8E84-426E-40dd-AFC4-6F175D3DCCD1}">
-              <a14:hiddenFill xmlns="" xmlns:a14="http://schemas.microsoft.com/office/drawing/2010/main">
+              <a14:hiddenFill xmlns:a14="http://schemas.microsoft.com/office/drawing/2010/main" xmlns="">
                 <a:solidFill>
                   <a:srgbClr val="FFFFFF"/>
                 </a:solidFill>
@@ -7661,7 +7661,7 @@
             <a:fld id="{2194DA84-9BF2-4D1D-989C-A0CF6764201C}" type="datetimeFigureOut">
               <a:rPr lang="en-US" smtClean="0"/>
               <a:pPr/>
-              <a:t>11/29/2016</a:t>
+              <a:t>11/30/2016</a:t>
             </a:fld>
             <a:endParaRPr lang="en-US"/>
           </a:p>
@@ -8710,15 +8710,7 @@
           <a:p>
             <a:r>
               <a:rPr lang="en-US" dirty="0" smtClean="0"/>
-              <a:t>Indexes are expensive and </a:t>
-            </a:r>
-            <a:r>
-              <a:rPr lang="en-US" dirty="0" smtClean="0"/>
-              <a:t>take </a:t>
-            </a:r>
-            <a:r>
-              <a:rPr lang="en-US" dirty="0" smtClean="0"/>
-              <a:t>time to maintain, we will use them only if need be.</a:t>
+              <a:t>Indexes are expensive and take time to maintain, we will use them only if need be.</a:t>
             </a:r>
             <a:endParaRPr lang="en-US" dirty="0"/>
           </a:p>
@@ -8796,31 +8788,7 @@
           <a:p>
             <a:r>
               <a:rPr lang="en-US" dirty="0" smtClean="0"/>
-              <a:t>Although data access is </a:t>
-            </a:r>
-            <a:r>
-              <a:rPr lang="en-US" dirty="0" smtClean="0"/>
-              <a:t>done with SQL </a:t>
-            </a:r>
-            <a:r>
-              <a:rPr lang="en-US" dirty="0" smtClean="0"/>
-              <a:t>select </a:t>
-            </a:r>
-            <a:r>
-              <a:rPr lang="en-US" dirty="0" smtClean="0"/>
-              <a:t>statements, </a:t>
-            </a:r>
-            <a:r>
-              <a:rPr lang="en-US" dirty="0" smtClean="0"/>
-              <a:t>our users </a:t>
-            </a:r>
-            <a:r>
-              <a:rPr lang="en-US" dirty="0" smtClean="0"/>
-              <a:t>won’t </a:t>
-            </a:r>
-            <a:r>
-              <a:rPr lang="en-US" dirty="0" smtClean="0"/>
-              <a:t>be writing the code.</a:t>
+              <a:t>Although data access is done with SQL select statements, our users won’t be writing the code.</a:t>
             </a:r>
           </a:p>
           <a:p>
@@ -9287,13 +9255,11 @@
       </p:sp>
       <p:pic>
         <p:nvPicPr>
-          <p:cNvPr id="2050" name="Picture 2"/>
+          <p:cNvPr id="4" name="Picture 3"/>
           <p:cNvPicPr>
-            <a:picLocks noGrp="1" noChangeAspect="1" noChangeArrowheads="1"/>
+            <a:picLocks noChangeAspect="1"/>
           </p:cNvPicPr>
-          <p:nvPr>
-            <p:ph idx="1"/>
-          </p:nvPr>
+          <p:nvPr/>
         </p:nvPicPr>
         <p:blipFill>
           <a:blip r:embed="rId2"/>
@@ -9301,10 +9267,10 @@
             <a:fillRect/>
           </a:stretch>
         </p:blipFill>
-        <p:spPr bwMode="auto">
+        <p:spPr>
           <a:xfrm>
-            <a:off x="2133600" y="2209800"/>
-            <a:ext cx="4495800" cy="4319724"/>
+            <a:off x="1752600" y="2133600"/>
+            <a:ext cx="5105400" cy="4421823"/>
           </a:xfrm>
           <a:prstGeom prst="rect">
             <a:avLst/>
@@ -9508,15 +9474,7 @@
           <a:p>
             <a:r>
               <a:rPr lang="en-US" dirty="0" smtClean="0"/>
-              <a:t>Provides </a:t>
-            </a:r>
-            <a:r>
-              <a:rPr lang="en-US" dirty="0" smtClean="0"/>
-              <a:t>services </a:t>
-            </a:r>
-            <a:r>
-              <a:rPr lang="en-US" dirty="0" smtClean="0"/>
-              <a:t>for organizations.</a:t>
+              <a:t>Provides services for organizations.</a:t>
             </a:r>
           </a:p>
           <a:p>
@@ -9889,23 +9847,7 @@
           <a:p>
             <a:r>
               <a:rPr lang="en-US" dirty="0" smtClean="0"/>
-              <a:t>We </a:t>
-            </a:r>
-            <a:r>
-              <a:rPr lang="en-US" dirty="0" smtClean="0"/>
-              <a:t>would </a:t>
-            </a:r>
-            <a:r>
-              <a:rPr lang="en-US" dirty="0" smtClean="0"/>
-              <a:t>like to improve our design in the future, time </a:t>
-            </a:r>
-            <a:r>
-              <a:rPr lang="en-US" dirty="0" smtClean="0"/>
-              <a:t>permitting, </a:t>
-            </a:r>
-            <a:r>
-              <a:rPr lang="en-US" dirty="0" smtClean="0"/>
-              <a:t>to include more functionalities.</a:t>
+              <a:t>We would like to improve our design in the future, time permitting, to include more functionalities.</a:t>
             </a:r>
           </a:p>
           <a:p>
@@ -10103,13 +10045,8 @@
           <a:p>
             <a:r>
               <a:rPr lang="en-US" dirty="0" smtClean="0"/>
-              <a:t>Red Crescent </a:t>
-            </a:r>
-            <a:r>
-              <a:rPr lang="en-US" dirty="0" smtClean="0"/>
-              <a:t>Authority.</a:t>
-            </a:r>
-            <a:endParaRPr lang="en-US" dirty="0" smtClean="0"/>
+              <a:t>Red Crescent Authority.</a:t>
+            </a:r>
           </a:p>
           <a:p>
             <a:r>

--- a/Presentation.pptx
+++ b/Presentation.pptx
@@ -425,7 +425,7 @@
             <a:fld id="{2194DA84-9BF2-4D1D-989C-A0CF6764201C}" type="datetimeFigureOut">
               <a:rPr lang="en-US" smtClean="0"/>
               <a:pPr/>
-              <a:t>11/30/2016</a:t>
+              <a:t>11/29/2016</a:t>
             </a:fld>
             <a:endParaRPr lang="en-US"/>
           </a:p>
@@ -859,7 +859,7 @@
             <a:fld id="{2194DA84-9BF2-4D1D-989C-A0CF6764201C}" type="datetimeFigureOut">
               <a:rPr lang="en-US" smtClean="0"/>
               <a:pPr/>
-              <a:t>11/30/2016</a:t>
+              <a:t>11/29/2016</a:t>
             </a:fld>
             <a:endParaRPr lang="en-US"/>
           </a:p>
@@ -1210,7 +1210,7 @@
             <a:fld id="{2194DA84-9BF2-4D1D-989C-A0CF6764201C}" type="datetimeFigureOut">
               <a:rPr lang="en-US" smtClean="0"/>
               <a:pPr/>
-              <a:t>11/30/2016</a:t>
+              <a:t>11/29/2016</a:t>
             </a:fld>
             <a:endParaRPr lang="en-US"/>
           </a:p>
@@ -1630,7 +1630,7 @@
             <a:fld id="{2194DA84-9BF2-4D1D-989C-A0CF6764201C}" type="datetimeFigureOut">
               <a:rPr lang="en-US" smtClean="0"/>
               <a:pPr/>
-              <a:t>11/30/2016</a:t>
+              <a:t>11/29/2016</a:t>
             </a:fld>
             <a:endParaRPr lang="en-US"/>
           </a:p>
@@ -2213,7 +2213,7 @@
             <a:fld id="{2194DA84-9BF2-4D1D-989C-A0CF6764201C}" type="datetimeFigureOut">
               <a:rPr lang="en-US" smtClean="0"/>
               <a:pPr/>
-              <a:t>11/30/2016</a:t>
+              <a:t>11/29/2016</a:t>
             </a:fld>
             <a:endParaRPr lang="en-US"/>
           </a:p>
@@ -2909,7 +2909,7 @@
             <a:fld id="{2194DA84-9BF2-4D1D-989C-A0CF6764201C}" type="datetimeFigureOut">
               <a:rPr lang="en-US" smtClean="0"/>
               <a:pPr/>
-              <a:t>11/30/2016</a:t>
+              <a:t>11/29/2016</a:t>
             </a:fld>
             <a:endParaRPr lang="en-US"/>
           </a:p>
@@ -3837,7 +3837,7 @@
             <a:fld id="{2194DA84-9BF2-4D1D-989C-A0CF6764201C}" type="datetimeFigureOut">
               <a:rPr lang="en-US" smtClean="0"/>
               <a:pPr/>
-              <a:t>11/30/2016</a:t>
+              <a:t>11/29/2016</a:t>
             </a:fld>
             <a:endParaRPr lang="en-US"/>
           </a:p>
@@ -4170,7 +4170,7 @@
             <a:fld id="{2194DA84-9BF2-4D1D-989C-A0CF6764201C}" type="datetimeFigureOut">
               <a:rPr lang="en-US" smtClean="0"/>
               <a:pPr/>
-              <a:t>11/30/2016</a:t>
+              <a:t>11/29/2016</a:t>
             </a:fld>
             <a:endParaRPr lang="en-US"/>
           </a:p>
@@ -4451,7 +4451,7 @@
             <a:fld id="{2194DA84-9BF2-4D1D-989C-A0CF6764201C}" type="datetimeFigureOut">
               <a:rPr lang="en-US" smtClean="0"/>
               <a:pPr/>
-              <a:t>11/30/2016</a:t>
+              <a:t>11/29/2016</a:t>
             </a:fld>
             <a:endParaRPr lang="en-US"/>
           </a:p>
@@ -4789,7 +4789,7 @@
             <a:fld id="{2194DA84-9BF2-4D1D-989C-A0CF6764201C}" type="datetimeFigureOut">
               <a:rPr lang="en-US" smtClean="0"/>
               <a:pPr/>
-              <a:t>11/30/2016</a:t>
+              <a:t>11/29/2016</a:t>
             </a:fld>
             <a:endParaRPr lang="en-US"/>
           </a:p>
@@ -5198,7 +5198,7 @@
             <a:fld id="{2194DA84-9BF2-4D1D-989C-A0CF6764201C}" type="datetimeFigureOut">
               <a:rPr lang="en-US" smtClean="0"/>
               <a:pPr/>
-              <a:t>11/30/2016</a:t>
+              <a:t>11/29/2016</a:t>
             </a:fld>
             <a:endParaRPr lang="en-US"/>
           </a:p>
@@ -5599,7 +5599,7 @@
             <a:fld id="{2194DA84-9BF2-4D1D-989C-A0CF6764201C}" type="datetimeFigureOut">
               <a:rPr lang="en-US" smtClean="0"/>
               <a:pPr/>
-              <a:t>11/30/2016</a:t>
+              <a:t>11/29/2016</a:t>
             </a:fld>
             <a:endParaRPr lang="en-US"/>
           </a:p>
@@ -6120,7 +6120,7 @@
             <a:fld id="{2194DA84-9BF2-4D1D-989C-A0CF6764201C}" type="datetimeFigureOut">
               <a:rPr lang="en-US" smtClean="0"/>
               <a:pPr/>
-              <a:t>11/30/2016</a:t>
+              <a:t>11/29/2016</a:t>
             </a:fld>
             <a:endParaRPr lang="en-US"/>
           </a:p>
@@ -6392,7 +6392,7 @@
             <a:fld id="{2194DA84-9BF2-4D1D-989C-A0CF6764201C}" type="datetimeFigureOut">
               <a:rPr lang="en-US" smtClean="0"/>
               <a:pPr/>
-              <a:t>11/30/2016</a:t>
+              <a:t>11/29/2016</a:t>
             </a:fld>
             <a:endParaRPr lang="en-US"/>
           </a:p>
@@ -6556,7 +6556,7 @@
             <a:fld id="{2194DA84-9BF2-4D1D-989C-A0CF6764201C}" type="datetimeFigureOut">
               <a:rPr lang="en-US" smtClean="0"/>
               <a:pPr/>
-              <a:t>11/30/2016</a:t>
+              <a:t>11/29/2016</a:t>
             </a:fld>
             <a:endParaRPr lang="en-US"/>
           </a:p>
@@ -6961,7 +6961,7 @@
             <a:fld id="{2194DA84-9BF2-4D1D-989C-A0CF6764201C}" type="datetimeFigureOut">
               <a:rPr lang="en-US" smtClean="0"/>
               <a:pPr/>
-              <a:t>11/30/2016</a:t>
+              <a:t>11/29/2016</a:t>
             </a:fld>
             <a:endParaRPr lang="en-US"/>
           </a:p>
@@ -7385,7 +7385,7 @@
             <a:fld id="{2194DA84-9BF2-4D1D-989C-A0CF6764201C}" type="datetimeFigureOut">
               <a:rPr lang="en-US" smtClean="0"/>
               <a:pPr/>
-              <a:t>11/30/2016</a:t>
+              <a:t>11/29/2016</a:t>
             </a:fld>
             <a:endParaRPr lang="en-US"/>
           </a:p>
@@ -7521,7 +7521,7 @@
           </a:prstGeom>
           <a:extLst>
             <a:ext uri="{909E8E84-426E-40dd-AFC4-6F175D3DCCD1}">
-              <a14:hiddenFill xmlns:a14="http://schemas.microsoft.com/office/drawing/2010/main" xmlns="">
+              <a14:hiddenFill xmlns="" xmlns:a14="http://schemas.microsoft.com/office/drawing/2010/main">
                 <a:solidFill>
                   <a:srgbClr val="FFFFFF"/>
                 </a:solidFill>
@@ -7661,7 +7661,7 @@
             <a:fld id="{2194DA84-9BF2-4D1D-989C-A0CF6764201C}" type="datetimeFigureOut">
               <a:rPr lang="en-US" smtClean="0"/>
               <a:pPr/>
-              <a:t>11/30/2016</a:t>
+              <a:t>11/29/2016</a:t>
             </a:fld>
             <a:endParaRPr lang="en-US"/>
           </a:p>
@@ -8710,7 +8710,15 @@
           <a:p>
             <a:r>
               <a:rPr lang="en-US" dirty="0" smtClean="0"/>
-              <a:t>Indexes are expensive and take time to maintain, we will use them only if need be.</a:t>
+              <a:t>Indexes are expensive and </a:t>
+            </a:r>
+            <a:r>
+              <a:rPr lang="en-US" dirty="0" smtClean="0"/>
+              <a:t>take </a:t>
+            </a:r>
+            <a:r>
+              <a:rPr lang="en-US" dirty="0" smtClean="0"/>
+              <a:t>time to maintain, we will use them only if need be.</a:t>
             </a:r>
             <a:endParaRPr lang="en-US" dirty="0"/>
           </a:p>
@@ -8788,7 +8796,31 @@
           <a:p>
             <a:r>
               <a:rPr lang="en-US" dirty="0" smtClean="0"/>
-              <a:t>Although data access is done with SQL select statements, our users won’t be writing the code.</a:t>
+              <a:t>Although data access is </a:t>
+            </a:r>
+            <a:r>
+              <a:rPr lang="en-US" dirty="0" smtClean="0"/>
+              <a:t>done with SQL </a:t>
+            </a:r>
+            <a:r>
+              <a:rPr lang="en-US" dirty="0" smtClean="0"/>
+              <a:t>select </a:t>
+            </a:r>
+            <a:r>
+              <a:rPr lang="en-US" dirty="0" smtClean="0"/>
+              <a:t>statements, </a:t>
+            </a:r>
+            <a:r>
+              <a:rPr lang="en-US" dirty="0" smtClean="0"/>
+              <a:t>our users </a:t>
+            </a:r>
+            <a:r>
+              <a:rPr lang="en-US" dirty="0" smtClean="0"/>
+              <a:t>won’t </a:t>
+            </a:r>
+            <a:r>
+              <a:rPr lang="en-US" dirty="0" smtClean="0"/>
+              <a:t>be writing the code.</a:t>
             </a:r>
           </a:p>
           <a:p>
@@ -9255,11 +9287,13 @@
       </p:sp>
       <p:pic>
         <p:nvPicPr>
-          <p:cNvPr id="4" name="Picture 3"/>
+          <p:cNvPr id="2050" name="Picture 2"/>
           <p:cNvPicPr>
-            <a:picLocks noChangeAspect="1"/>
+            <a:picLocks noGrp="1" noChangeAspect="1" noChangeArrowheads="1"/>
           </p:cNvPicPr>
-          <p:nvPr/>
+          <p:nvPr>
+            <p:ph idx="1"/>
+          </p:nvPr>
         </p:nvPicPr>
         <p:blipFill>
           <a:blip r:embed="rId2"/>
@@ -9267,10 +9301,10 @@
             <a:fillRect/>
           </a:stretch>
         </p:blipFill>
-        <p:spPr>
+        <p:spPr bwMode="auto">
           <a:xfrm>
-            <a:off x="1752600" y="2133600"/>
-            <a:ext cx="5105400" cy="4421823"/>
+            <a:off x="2133600" y="2209800"/>
+            <a:ext cx="4495800" cy="4319724"/>
           </a:xfrm>
           <a:prstGeom prst="rect">
             <a:avLst/>
@@ -9474,7 +9508,15 @@
           <a:p>
             <a:r>
               <a:rPr lang="en-US" dirty="0" smtClean="0"/>
-              <a:t>Provides services for organizations.</a:t>
+              <a:t>Provides </a:t>
+            </a:r>
+            <a:r>
+              <a:rPr lang="en-US" dirty="0" smtClean="0"/>
+              <a:t>services </a:t>
+            </a:r>
+            <a:r>
+              <a:rPr lang="en-US" dirty="0" smtClean="0"/>
+              <a:t>for organizations.</a:t>
             </a:r>
           </a:p>
           <a:p>
@@ -9847,7 +9889,23 @@
           <a:p>
             <a:r>
               <a:rPr lang="en-US" dirty="0" smtClean="0"/>
-              <a:t>We would like to improve our design in the future, time permitting, to include more functionalities.</a:t>
+              <a:t>We </a:t>
+            </a:r>
+            <a:r>
+              <a:rPr lang="en-US" dirty="0" smtClean="0"/>
+              <a:t>would </a:t>
+            </a:r>
+            <a:r>
+              <a:rPr lang="en-US" dirty="0" smtClean="0"/>
+              <a:t>like to improve our design in the future, time </a:t>
+            </a:r>
+            <a:r>
+              <a:rPr lang="en-US" dirty="0" smtClean="0"/>
+              <a:t>permitting, </a:t>
+            </a:r>
+            <a:r>
+              <a:rPr lang="en-US" dirty="0" smtClean="0"/>
+              <a:t>to include more functionalities.</a:t>
             </a:r>
           </a:p>
           <a:p>
@@ -10045,8 +10103,13 @@
           <a:p>
             <a:r>
               <a:rPr lang="en-US" dirty="0" smtClean="0"/>
-              <a:t>Red Crescent Authority.</a:t>
-            </a:r>
+              <a:t>Red Crescent </a:t>
+            </a:r>
+            <a:r>
+              <a:rPr lang="en-US" dirty="0" smtClean="0"/>
+              <a:t>Authority.</a:t>
+            </a:r>
+            <a:endParaRPr lang="en-US" dirty="0" smtClean="0"/>
           </a:p>
           <a:p>
             <a:r>

--- a/Presentation.pptx
+++ b/Presentation.pptx
@@ -425,7 +425,7 @@
             <a:fld id="{2194DA84-9BF2-4D1D-989C-A0CF6764201C}" type="datetimeFigureOut">
               <a:rPr lang="en-US" smtClean="0"/>
               <a:pPr/>
-              <a:t>11/29/2016</a:t>
+              <a:t>11/30/2016</a:t>
             </a:fld>
             <a:endParaRPr lang="en-US"/>
           </a:p>
@@ -859,7 +859,7 @@
             <a:fld id="{2194DA84-9BF2-4D1D-989C-A0CF6764201C}" type="datetimeFigureOut">
               <a:rPr lang="en-US" smtClean="0"/>
               <a:pPr/>
-              <a:t>11/29/2016</a:t>
+              <a:t>11/30/2016</a:t>
             </a:fld>
             <a:endParaRPr lang="en-US"/>
           </a:p>
@@ -1210,7 +1210,7 @@
             <a:fld id="{2194DA84-9BF2-4D1D-989C-A0CF6764201C}" type="datetimeFigureOut">
               <a:rPr lang="en-US" smtClean="0"/>
               <a:pPr/>
-              <a:t>11/29/2016</a:t>
+              <a:t>11/30/2016</a:t>
             </a:fld>
             <a:endParaRPr lang="en-US"/>
           </a:p>
@@ -1630,7 +1630,7 @@
             <a:fld id="{2194DA84-9BF2-4D1D-989C-A0CF6764201C}" type="datetimeFigureOut">
               <a:rPr lang="en-US" smtClean="0"/>
               <a:pPr/>
-              <a:t>11/29/2016</a:t>
+              <a:t>11/30/2016</a:t>
             </a:fld>
             <a:endParaRPr lang="en-US"/>
           </a:p>
@@ -2213,7 +2213,7 @@
             <a:fld id="{2194DA84-9BF2-4D1D-989C-A0CF6764201C}" type="datetimeFigureOut">
               <a:rPr lang="en-US" smtClean="0"/>
               <a:pPr/>
-              <a:t>11/29/2016</a:t>
+              <a:t>11/30/2016</a:t>
             </a:fld>
             <a:endParaRPr lang="en-US"/>
           </a:p>
@@ -2909,7 +2909,7 @@
             <a:fld id="{2194DA84-9BF2-4D1D-989C-A0CF6764201C}" type="datetimeFigureOut">
               <a:rPr lang="en-US" smtClean="0"/>
               <a:pPr/>
-              <a:t>11/29/2016</a:t>
+              <a:t>11/30/2016</a:t>
             </a:fld>
             <a:endParaRPr lang="en-US"/>
           </a:p>
@@ -3837,7 +3837,7 @@
             <a:fld id="{2194DA84-9BF2-4D1D-989C-A0CF6764201C}" type="datetimeFigureOut">
               <a:rPr lang="en-US" smtClean="0"/>
               <a:pPr/>
-              <a:t>11/29/2016</a:t>
+              <a:t>11/30/2016</a:t>
             </a:fld>
             <a:endParaRPr lang="en-US"/>
           </a:p>
@@ -4170,7 +4170,7 @@
             <a:fld id="{2194DA84-9BF2-4D1D-989C-A0CF6764201C}" type="datetimeFigureOut">
               <a:rPr lang="en-US" smtClean="0"/>
               <a:pPr/>
-              <a:t>11/29/2016</a:t>
+              <a:t>11/30/2016</a:t>
             </a:fld>
             <a:endParaRPr lang="en-US"/>
           </a:p>
@@ -4451,7 +4451,7 @@
             <a:fld id="{2194DA84-9BF2-4D1D-989C-A0CF6764201C}" type="datetimeFigureOut">
               <a:rPr lang="en-US" smtClean="0"/>
               <a:pPr/>
-              <a:t>11/29/2016</a:t>
+              <a:t>11/30/2016</a:t>
             </a:fld>
             <a:endParaRPr lang="en-US"/>
           </a:p>
@@ -4789,7 +4789,7 @@
             <a:fld id="{2194DA84-9BF2-4D1D-989C-A0CF6764201C}" type="datetimeFigureOut">
               <a:rPr lang="en-US" smtClean="0"/>
               <a:pPr/>
-              <a:t>11/29/2016</a:t>
+              <a:t>11/30/2016</a:t>
             </a:fld>
             <a:endParaRPr lang="en-US"/>
           </a:p>
@@ -5198,7 +5198,7 @@
             <a:fld id="{2194DA84-9BF2-4D1D-989C-A0CF6764201C}" type="datetimeFigureOut">
               <a:rPr lang="en-US" smtClean="0"/>
               <a:pPr/>
-              <a:t>11/29/2016</a:t>
+              <a:t>11/30/2016</a:t>
             </a:fld>
             <a:endParaRPr lang="en-US"/>
           </a:p>
@@ -5599,7 +5599,7 @@
             <a:fld id="{2194DA84-9BF2-4D1D-989C-A0CF6764201C}" type="datetimeFigureOut">
               <a:rPr lang="en-US" smtClean="0"/>
               <a:pPr/>
-              <a:t>11/29/2016</a:t>
+              <a:t>11/30/2016</a:t>
             </a:fld>
             <a:endParaRPr lang="en-US"/>
           </a:p>
@@ -6120,7 +6120,7 @@
             <a:fld id="{2194DA84-9BF2-4D1D-989C-A0CF6764201C}" type="datetimeFigureOut">
               <a:rPr lang="en-US" smtClean="0"/>
               <a:pPr/>
-              <a:t>11/29/2016</a:t>
+              <a:t>11/30/2016</a:t>
             </a:fld>
             <a:endParaRPr lang="en-US"/>
           </a:p>
@@ -6392,7 +6392,7 @@
             <a:fld id="{2194DA84-9BF2-4D1D-989C-A0CF6764201C}" type="datetimeFigureOut">
               <a:rPr lang="en-US" smtClean="0"/>
               <a:pPr/>
-              <a:t>11/29/2016</a:t>
+              <a:t>11/30/2016</a:t>
             </a:fld>
             <a:endParaRPr lang="en-US"/>
           </a:p>
@@ -6556,7 +6556,7 @@
             <a:fld id="{2194DA84-9BF2-4D1D-989C-A0CF6764201C}" type="datetimeFigureOut">
               <a:rPr lang="en-US" smtClean="0"/>
               <a:pPr/>
-              <a:t>11/29/2016</a:t>
+              <a:t>11/30/2016</a:t>
             </a:fld>
             <a:endParaRPr lang="en-US"/>
           </a:p>
@@ -6961,7 +6961,7 @@
             <a:fld id="{2194DA84-9BF2-4D1D-989C-A0CF6764201C}" type="datetimeFigureOut">
               <a:rPr lang="en-US" smtClean="0"/>
               <a:pPr/>
-              <a:t>11/29/2016</a:t>
+              <a:t>11/30/2016</a:t>
             </a:fld>
             <a:endParaRPr lang="en-US"/>
           </a:p>
@@ -7385,7 +7385,7 @@
             <a:fld id="{2194DA84-9BF2-4D1D-989C-A0CF6764201C}" type="datetimeFigureOut">
               <a:rPr lang="en-US" smtClean="0"/>
               <a:pPr/>
-              <a:t>11/29/2016</a:t>
+              <a:t>11/30/2016</a:t>
             </a:fld>
             <a:endParaRPr lang="en-US"/>
           </a:p>
@@ -7521,7 +7521,7 @@
           </a:prstGeom>
           <a:extLst>
             <a:ext uri="{909E8E84-426E-40dd-AFC4-6F175D3DCCD1}">
-              <a14:hiddenFill xmlns="" xmlns:a14="http://schemas.microsoft.com/office/drawing/2010/main">
+              <a14:hiddenFill xmlns:a14="http://schemas.microsoft.com/office/drawing/2010/main" xmlns="">
                 <a:solidFill>
                   <a:srgbClr val="FFFFFF"/>
                 </a:solidFill>
@@ -7661,7 +7661,7 @@
             <a:fld id="{2194DA84-9BF2-4D1D-989C-A0CF6764201C}" type="datetimeFigureOut">
               <a:rPr lang="en-US" smtClean="0"/>
               <a:pPr/>
-              <a:t>11/29/2016</a:t>
+              <a:t>11/30/2016</a:t>
             </a:fld>
             <a:endParaRPr lang="en-US"/>
           </a:p>
@@ -8710,15 +8710,7 @@
           <a:p>
             <a:r>
               <a:rPr lang="en-US" dirty="0" smtClean="0"/>
-              <a:t>Indexes are expensive and </a:t>
-            </a:r>
-            <a:r>
-              <a:rPr lang="en-US" dirty="0" smtClean="0"/>
-              <a:t>take </a:t>
-            </a:r>
-            <a:r>
-              <a:rPr lang="en-US" dirty="0" smtClean="0"/>
-              <a:t>time to maintain, we will use them only if need be.</a:t>
+              <a:t>Indexes are expensive and take time to maintain, we will use them only if need be.</a:t>
             </a:r>
             <a:endParaRPr lang="en-US" dirty="0"/>
           </a:p>
@@ -8796,31 +8788,7 @@
           <a:p>
             <a:r>
               <a:rPr lang="en-US" dirty="0" smtClean="0"/>
-              <a:t>Although data access is </a:t>
-            </a:r>
-            <a:r>
-              <a:rPr lang="en-US" dirty="0" smtClean="0"/>
-              <a:t>done with SQL </a:t>
-            </a:r>
-            <a:r>
-              <a:rPr lang="en-US" dirty="0" smtClean="0"/>
-              <a:t>select </a:t>
-            </a:r>
-            <a:r>
-              <a:rPr lang="en-US" dirty="0" smtClean="0"/>
-              <a:t>statements, </a:t>
-            </a:r>
-            <a:r>
-              <a:rPr lang="en-US" dirty="0" smtClean="0"/>
-              <a:t>our users </a:t>
-            </a:r>
-            <a:r>
-              <a:rPr lang="en-US" dirty="0" smtClean="0"/>
-              <a:t>won’t </a:t>
-            </a:r>
-            <a:r>
-              <a:rPr lang="en-US" dirty="0" smtClean="0"/>
-              <a:t>be writing the code.</a:t>
+              <a:t>Although data access is done with SQL select statements, our users won’t be writing the code.</a:t>
             </a:r>
           </a:p>
           <a:p>
@@ -9287,13 +9255,11 @@
       </p:sp>
       <p:pic>
         <p:nvPicPr>
-          <p:cNvPr id="2050" name="Picture 2"/>
+          <p:cNvPr id="4" name="Picture 3"/>
           <p:cNvPicPr>
-            <a:picLocks noGrp="1" noChangeAspect="1" noChangeArrowheads="1"/>
+            <a:picLocks noChangeAspect="1"/>
           </p:cNvPicPr>
-          <p:nvPr>
-            <p:ph idx="1"/>
-          </p:nvPr>
+          <p:nvPr/>
         </p:nvPicPr>
         <p:blipFill>
           <a:blip r:embed="rId2"/>
@@ -9301,10 +9267,10 @@
             <a:fillRect/>
           </a:stretch>
         </p:blipFill>
-        <p:spPr bwMode="auto">
+        <p:spPr>
           <a:xfrm>
-            <a:off x="2133600" y="2209800"/>
-            <a:ext cx="4495800" cy="4319724"/>
+            <a:off x="2057400" y="2133600"/>
+            <a:ext cx="4705350" cy="4537302"/>
           </a:xfrm>
           <a:prstGeom prst="rect">
             <a:avLst/>
@@ -9508,15 +9474,7 @@
           <a:p>
             <a:r>
               <a:rPr lang="en-US" dirty="0" smtClean="0"/>
-              <a:t>Provides </a:t>
-            </a:r>
-            <a:r>
-              <a:rPr lang="en-US" dirty="0" smtClean="0"/>
-              <a:t>services </a:t>
-            </a:r>
-            <a:r>
-              <a:rPr lang="en-US" dirty="0" smtClean="0"/>
-              <a:t>for organizations.</a:t>
+              <a:t>Provides services for organizations.</a:t>
             </a:r>
           </a:p>
           <a:p>
@@ -9889,23 +9847,7 @@
           <a:p>
             <a:r>
               <a:rPr lang="en-US" dirty="0" smtClean="0"/>
-              <a:t>We </a:t>
-            </a:r>
-            <a:r>
-              <a:rPr lang="en-US" dirty="0" smtClean="0"/>
-              <a:t>would </a:t>
-            </a:r>
-            <a:r>
-              <a:rPr lang="en-US" dirty="0" smtClean="0"/>
-              <a:t>like to improve our design in the future, time </a:t>
-            </a:r>
-            <a:r>
-              <a:rPr lang="en-US" dirty="0" smtClean="0"/>
-              <a:t>permitting, </a:t>
-            </a:r>
-            <a:r>
-              <a:rPr lang="en-US" dirty="0" smtClean="0"/>
-              <a:t>to include more functionalities.</a:t>
+              <a:t>We would like to improve our design in the future, time permitting, to include more functionalities.</a:t>
             </a:r>
           </a:p>
           <a:p>
@@ -10103,13 +10045,8 @@
           <a:p>
             <a:r>
               <a:rPr lang="en-US" dirty="0" smtClean="0"/>
-              <a:t>Red Crescent </a:t>
-            </a:r>
-            <a:r>
-              <a:rPr lang="en-US" dirty="0" smtClean="0"/>
-              <a:t>Authority.</a:t>
-            </a:r>
-            <a:endParaRPr lang="en-US" dirty="0" smtClean="0"/>
+              <a:t>Red Crescent Authority.</a:t>
+            </a:r>
           </a:p>
           <a:p>
             <a:r>

--- a/Presentation.pptx
+++ b/Presentation.pptx
@@ -425,7 +425,7 @@
             <a:fld id="{2194DA84-9BF2-4D1D-989C-A0CF6764201C}" type="datetimeFigureOut">
               <a:rPr lang="en-US" smtClean="0"/>
               <a:pPr/>
-              <a:t>11/30/2016</a:t>
+              <a:t>12/2/2016</a:t>
             </a:fld>
             <a:endParaRPr lang="en-US"/>
           </a:p>
@@ -859,7 +859,7 @@
             <a:fld id="{2194DA84-9BF2-4D1D-989C-A0CF6764201C}" type="datetimeFigureOut">
               <a:rPr lang="en-US" smtClean="0"/>
               <a:pPr/>
-              <a:t>11/30/2016</a:t>
+              <a:t>12/2/2016</a:t>
             </a:fld>
             <a:endParaRPr lang="en-US"/>
           </a:p>
@@ -1210,7 +1210,7 @@
             <a:fld id="{2194DA84-9BF2-4D1D-989C-A0CF6764201C}" type="datetimeFigureOut">
               <a:rPr lang="en-US" smtClean="0"/>
               <a:pPr/>
-              <a:t>11/30/2016</a:t>
+              <a:t>12/2/2016</a:t>
             </a:fld>
             <a:endParaRPr lang="en-US"/>
           </a:p>
@@ -1630,7 +1630,7 @@
             <a:fld id="{2194DA84-9BF2-4D1D-989C-A0CF6764201C}" type="datetimeFigureOut">
               <a:rPr lang="en-US" smtClean="0"/>
               <a:pPr/>
-              <a:t>11/30/2016</a:t>
+              <a:t>12/2/2016</a:t>
             </a:fld>
             <a:endParaRPr lang="en-US"/>
           </a:p>
@@ -2213,7 +2213,7 @@
             <a:fld id="{2194DA84-9BF2-4D1D-989C-A0CF6764201C}" type="datetimeFigureOut">
               <a:rPr lang="en-US" smtClean="0"/>
               <a:pPr/>
-              <a:t>11/30/2016</a:t>
+              <a:t>12/2/2016</a:t>
             </a:fld>
             <a:endParaRPr lang="en-US"/>
           </a:p>
@@ -2909,7 +2909,7 @@
             <a:fld id="{2194DA84-9BF2-4D1D-989C-A0CF6764201C}" type="datetimeFigureOut">
               <a:rPr lang="en-US" smtClean="0"/>
               <a:pPr/>
-              <a:t>11/30/2016</a:t>
+              <a:t>12/2/2016</a:t>
             </a:fld>
             <a:endParaRPr lang="en-US"/>
           </a:p>
@@ -3837,7 +3837,7 @@
             <a:fld id="{2194DA84-9BF2-4D1D-989C-A0CF6764201C}" type="datetimeFigureOut">
               <a:rPr lang="en-US" smtClean="0"/>
               <a:pPr/>
-              <a:t>11/30/2016</a:t>
+              <a:t>12/2/2016</a:t>
             </a:fld>
             <a:endParaRPr lang="en-US"/>
           </a:p>
@@ -4170,7 +4170,7 @@
             <a:fld id="{2194DA84-9BF2-4D1D-989C-A0CF6764201C}" type="datetimeFigureOut">
               <a:rPr lang="en-US" smtClean="0"/>
               <a:pPr/>
-              <a:t>11/30/2016</a:t>
+              <a:t>12/2/2016</a:t>
             </a:fld>
             <a:endParaRPr lang="en-US"/>
           </a:p>
@@ -4451,7 +4451,7 @@
             <a:fld id="{2194DA84-9BF2-4D1D-989C-A0CF6764201C}" type="datetimeFigureOut">
               <a:rPr lang="en-US" smtClean="0"/>
               <a:pPr/>
-              <a:t>11/30/2016</a:t>
+              <a:t>12/2/2016</a:t>
             </a:fld>
             <a:endParaRPr lang="en-US"/>
           </a:p>
@@ -4789,7 +4789,7 @@
             <a:fld id="{2194DA84-9BF2-4D1D-989C-A0CF6764201C}" type="datetimeFigureOut">
               <a:rPr lang="en-US" smtClean="0"/>
               <a:pPr/>
-              <a:t>11/30/2016</a:t>
+              <a:t>12/2/2016</a:t>
             </a:fld>
             <a:endParaRPr lang="en-US"/>
           </a:p>
@@ -5198,7 +5198,7 @@
             <a:fld id="{2194DA84-9BF2-4D1D-989C-A0CF6764201C}" type="datetimeFigureOut">
               <a:rPr lang="en-US" smtClean="0"/>
               <a:pPr/>
-              <a:t>11/30/2016</a:t>
+              <a:t>12/2/2016</a:t>
             </a:fld>
             <a:endParaRPr lang="en-US"/>
           </a:p>
@@ -5599,7 +5599,7 @@
             <a:fld id="{2194DA84-9BF2-4D1D-989C-A0CF6764201C}" type="datetimeFigureOut">
               <a:rPr lang="en-US" smtClean="0"/>
               <a:pPr/>
-              <a:t>11/30/2016</a:t>
+              <a:t>12/2/2016</a:t>
             </a:fld>
             <a:endParaRPr lang="en-US"/>
           </a:p>
@@ -6120,7 +6120,7 @@
             <a:fld id="{2194DA84-9BF2-4D1D-989C-A0CF6764201C}" type="datetimeFigureOut">
               <a:rPr lang="en-US" smtClean="0"/>
               <a:pPr/>
-              <a:t>11/30/2016</a:t>
+              <a:t>12/2/2016</a:t>
             </a:fld>
             <a:endParaRPr lang="en-US"/>
           </a:p>
@@ -6392,7 +6392,7 @@
             <a:fld id="{2194DA84-9BF2-4D1D-989C-A0CF6764201C}" type="datetimeFigureOut">
               <a:rPr lang="en-US" smtClean="0"/>
               <a:pPr/>
-              <a:t>11/30/2016</a:t>
+              <a:t>12/2/2016</a:t>
             </a:fld>
             <a:endParaRPr lang="en-US"/>
           </a:p>
@@ -6556,7 +6556,7 @@
             <a:fld id="{2194DA84-9BF2-4D1D-989C-A0CF6764201C}" type="datetimeFigureOut">
               <a:rPr lang="en-US" smtClean="0"/>
               <a:pPr/>
-              <a:t>11/30/2016</a:t>
+              <a:t>12/2/2016</a:t>
             </a:fld>
             <a:endParaRPr lang="en-US"/>
           </a:p>
@@ -6961,7 +6961,7 @@
             <a:fld id="{2194DA84-9BF2-4D1D-989C-A0CF6764201C}" type="datetimeFigureOut">
               <a:rPr lang="en-US" smtClean="0"/>
               <a:pPr/>
-              <a:t>11/30/2016</a:t>
+              <a:t>12/2/2016</a:t>
             </a:fld>
             <a:endParaRPr lang="en-US"/>
           </a:p>
@@ -7385,7 +7385,7 @@
             <a:fld id="{2194DA84-9BF2-4D1D-989C-A0CF6764201C}" type="datetimeFigureOut">
               <a:rPr lang="en-US" smtClean="0"/>
               <a:pPr/>
-              <a:t>11/30/2016</a:t>
+              <a:t>12/2/2016</a:t>
             </a:fld>
             <a:endParaRPr lang="en-US"/>
           </a:p>
@@ -7521,7 +7521,7 @@
           </a:prstGeom>
           <a:extLst>
             <a:ext uri="{909E8E84-426E-40dd-AFC4-6F175D3DCCD1}">
-              <a14:hiddenFill xmlns:a14="http://schemas.microsoft.com/office/drawing/2010/main" xmlns="">
+              <a14:hiddenFill xmlns="" xmlns:a14="http://schemas.microsoft.com/office/drawing/2010/main">
                 <a:solidFill>
                   <a:srgbClr val="FFFFFF"/>
                 </a:solidFill>
@@ -7661,7 +7661,7 @@
             <a:fld id="{2194DA84-9BF2-4D1D-989C-A0CF6764201C}" type="datetimeFigureOut">
               <a:rPr lang="en-US" smtClean="0"/>
               <a:pPr/>
-              <a:t>11/30/2016</a:t>
+              <a:t>12/2/2016</a:t>
             </a:fld>
             <a:endParaRPr lang="en-US"/>
           </a:p>
@@ -8869,13 +8869,11 @@
       </p:sp>
       <p:pic>
         <p:nvPicPr>
-          <p:cNvPr id="1026" name="Picture 2"/>
+          <p:cNvPr id="4" name="Picture 3"/>
           <p:cNvPicPr>
-            <a:picLocks noGrp="1" noChangeAspect="1" noChangeArrowheads="1"/>
+            <a:picLocks noChangeAspect="1"/>
           </p:cNvPicPr>
-          <p:nvPr>
-            <p:ph idx="1"/>
-          </p:nvPr>
+          <p:nvPr/>
         </p:nvPicPr>
         <p:blipFill>
           <a:blip r:embed="rId2"/>
@@ -8883,10 +8881,10 @@
             <a:fillRect/>
           </a:stretch>
         </p:blipFill>
-        <p:spPr bwMode="auto">
+        <p:spPr>
           <a:xfrm>
-            <a:off x="2667000" y="2209800"/>
-            <a:ext cx="2894806" cy="4193299"/>
+            <a:off x="2495550" y="2133600"/>
+            <a:ext cx="3752850" cy="4571999"/>
           </a:xfrm>
           <a:prstGeom prst="rect">
             <a:avLst/>
@@ -9349,7 +9347,7 @@
       </p:sp>
       <p:pic>
         <p:nvPicPr>
-          <p:cNvPr id="3" name="Picture 2"/>
+          <p:cNvPr id="4" name="Picture 3"/>
           <p:cNvPicPr>
             <a:picLocks noChangeAspect="1"/>
           </p:cNvPicPr>
@@ -9363,8 +9361,8 @@
         </p:blipFill>
         <p:spPr>
           <a:xfrm>
-            <a:off x="2438400" y="2286000"/>
-            <a:ext cx="3498382" cy="4142037"/>
+            <a:off x="2362200" y="2133600"/>
+            <a:ext cx="4191000" cy="4524375"/>
           </a:xfrm>
           <a:prstGeom prst="rect">
             <a:avLst/>
